--- a/Presentaties/3Wekelijkse PowerPoint/nieuweppt.pptx
+++ b/Presentaties/3Wekelijkse PowerPoint/nieuweppt.pptx
@@ -5,43 +5,44 @@
     <p:sldMasterId id="2147483666" r:id="rId1"/>
   </p:sldMasterIdLst>
   <p:notesMasterIdLst>
-    <p:notesMasterId r:id="rId6"/>
+    <p:notesMasterId r:id="rId7"/>
   </p:notesMasterIdLst>
   <p:sldIdLst>
     <p:sldId id="256" r:id="rId2"/>
     <p:sldId id="257" r:id="rId3"/>
     <p:sldId id="279" r:id="rId4"/>
-    <p:sldId id="286" r:id="rId5"/>
+    <p:sldId id="287" r:id="rId5"/>
+    <p:sldId id="286" r:id="rId6"/>
   </p:sldIdLst>
   <p:sldSz cx="9144000" cy="5143500" type="screen16x9"/>
   <p:notesSz cx="6858000" cy="9144000"/>
   <p:embeddedFontLst>
     <p:embeddedFont>
       <p:font typeface="Abel" panose="020B0604020202020204" charset="0"/>
-      <p:regular r:id="rId7"/>
+      <p:regular r:id="rId8"/>
     </p:embeddedFont>
     <p:embeddedFont>
       <p:font typeface="Dosis ExtraLight" panose="020B0604020202020204" charset="0"/>
-      <p:regular r:id="rId8"/>
-      <p:bold r:id="rId9"/>
+      <p:regular r:id="rId9"/>
+      <p:bold r:id="rId10"/>
     </p:embeddedFont>
     <p:embeddedFont>
       <p:font typeface="Fira Sans Condensed ExtraLight" panose="020B0604020202020204" charset="0"/>
-      <p:regular r:id="rId10"/>
-      <p:bold r:id="rId11"/>
-      <p:italic r:id="rId12"/>
-      <p:boldItalic r:id="rId13"/>
+      <p:regular r:id="rId11"/>
+      <p:bold r:id="rId12"/>
+      <p:italic r:id="rId13"/>
+      <p:boldItalic r:id="rId14"/>
     </p:embeddedFont>
     <p:embeddedFont>
       <p:font typeface="Josefin Sans" panose="020B0604020202020204" charset="0"/>
-      <p:regular r:id="rId14"/>
-      <p:bold r:id="rId15"/>
-      <p:italic r:id="rId16"/>
-      <p:boldItalic r:id="rId17"/>
+      <p:regular r:id="rId15"/>
+      <p:bold r:id="rId16"/>
+      <p:italic r:id="rId17"/>
+      <p:boldItalic r:id="rId18"/>
     </p:embeddedFont>
     <p:embeddedFont>
       <p:font typeface="Staatliches" panose="020B0604020202020204" charset="0"/>
-      <p:regular r:id="rId18"/>
+      <p:regular r:id="rId19"/>
     </p:embeddedFont>
   </p:embeddedFontLst>
   <p:defaultTextStyle>
@@ -1095,6 +1096,115 @@
 </p:notes>
 </file>
 
+<file path=ppt/notesSlides/notesSlide4.xml><?xml version="1.0" encoding="utf-8"?>
+<p:notes xmlns:a="http://schemas.openxmlformats.org/drawingml/2006/main" xmlns:r="http://schemas.openxmlformats.org/officeDocument/2006/relationships" xmlns:p="http://schemas.openxmlformats.org/presentationml/2006/main" showMasterSp="0" showMasterPhAnim="0">
+  <p:cSld>
+    <p:spTree>
+      <p:nvGrpSpPr>
+        <p:cNvPr id="1" name="Shape 313"/>
+        <p:cNvGrpSpPr/>
+        <p:nvPr/>
+      </p:nvGrpSpPr>
+      <p:grpSpPr>
+        <a:xfrm>
+          <a:off x="0" y="0"/>
+          <a:ext cx="0" cy="0"/>
+          <a:chOff x="0" y="0"/>
+          <a:chExt cx="0" cy="0"/>
+        </a:xfrm>
+      </p:grpSpPr>
+      <p:sp>
+        <p:nvSpPr>
+          <p:cNvPr id="314" name="Google Shape;314;g61854c95cc_0_218:notes"/>
+          <p:cNvSpPr>
+            <a:spLocks noGrp="1" noRot="1" noChangeAspect="1"/>
+          </p:cNvSpPr>
+          <p:nvPr>
+            <p:ph type="sldImg" idx="2"/>
+          </p:nvPr>
+        </p:nvSpPr>
+        <p:spPr>
+          <a:xfrm>
+            <a:off x="381000" y="685800"/>
+            <a:ext cx="6096000" cy="3429000"/>
+          </a:xfrm>
+          <a:custGeom>
+            <a:avLst/>
+            <a:gdLst/>
+            <a:ahLst/>
+            <a:cxnLst/>
+            <a:rect l="l" t="t" r="r" b="b"/>
+            <a:pathLst>
+              <a:path w="120000" h="120000" extrusionOk="0">
+                <a:moveTo>
+                  <a:pt x="0" y="0"/>
+                </a:moveTo>
+                <a:lnTo>
+                  <a:pt x="120000" y="0"/>
+                </a:lnTo>
+                <a:lnTo>
+                  <a:pt x="120000" y="120000"/>
+                </a:lnTo>
+                <a:lnTo>
+                  <a:pt x="0" y="120000"/>
+                </a:lnTo>
+                <a:close/>
+              </a:path>
+            </a:pathLst>
+          </a:custGeom>
+        </p:spPr>
+      </p:sp>
+      <p:sp>
+        <p:nvSpPr>
+          <p:cNvPr id="315" name="Google Shape;315;g61854c95cc_0_218:notes"/>
+          <p:cNvSpPr txBox="1">
+            <a:spLocks noGrp="1"/>
+          </p:cNvSpPr>
+          <p:nvPr>
+            <p:ph type="body" idx="1"/>
+          </p:nvPr>
+        </p:nvSpPr>
+        <p:spPr>
+          <a:xfrm>
+            <a:off x="685800" y="4343400"/>
+            <a:ext cx="5486400" cy="4114800"/>
+          </a:xfrm>
+          <a:prstGeom prst="rect">
+            <a:avLst/>
+          </a:prstGeom>
+        </p:spPr>
+        <p:txBody>
+          <a:bodyPr spcFirstLastPara="1" wrap="square" lIns="91425" tIns="91425" rIns="91425" bIns="91425" anchor="t" anchorCtr="0">
+            <a:noAutofit/>
+          </a:bodyPr>
+          <a:lstStyle/>
+          <a:p>
+            <a:pPr marL="0" lvl="0" indent="0" algn="l" rtl="0">
+              <a:spcBef>
+                <a:spcPts val="0"/>
+              </a:spcBef>
+              <a:spcAft>
+                <a:spcPts val="0"/>
+              </a:spcAft>
+              <a:buNone/>
+            </a:pPr>
+            <a:endParaRPr/>
+          </a:p>
+        </p:txBody>
+      </p:sp>
+    </p:spTree>
+    <p:extLst>
+      <p:ext uri="{BB962C8B-B14F-4D97-AF65-F5344CB8AC3E}">
+        <p14:creationId xmlns:p14="http://schemas.microsoft.com/office/powerpoint/2010/main" val="4000913908"/>
+      </p:ext>
+    </p:extLst>
+  </p:cSld>
+  <p:clrMapOvr>
+    <a:masterClrMapping/>
+  </p:clrMapOvr>
+</p:notes>
+</file>
+
 <file path=ppt/slideLayouts/slideLayout1.xml><?xml version="1.0" encoding="utf-8"?>
 <p:sldLayout xmlns:a="http://schemas.openxmlformats.org/drawingml/2006/main" xmlns:r="http://schemas.openxmlformats.org/officeDocument/2006/relationships" xmlns:p="http://schemas.openxmlformats.org/presentationml/2006/main" matchingName="Opening slide">
   <p:cSld name="CUSTOM_7">
@@ -4272,6 +4382,362 @@
 </file>
 
 <file path=ppt/slides/slide4.xml><?xml version="1.0" encoding="utf-8"?>
+<p:sld xmlns:a="http://schemas.openxmlformats.org/drawingml/2006/main" xmlns:r="http://schemas.openxmlformats.org/officeDocument/2006/relationships" xmlns:p="http://schemas.openxmlformats.org/presentationml/2006/main">
+  <p:cSld>
+    <p:bg>
+      <p:bgPr>
+        <a:solidFill>
+          <a:schemeClr val="lt2"/>
+        </a:solidFill>
+        <a:effectLst/>
+      </p:bgPr>
+    </p:bg>
+    <p:spTree>
+      <p:nvGrpSpPr>
+        <p:cNvPr id="1" name="Shape 316"/>
+        <p:cNvGrpSpPr/>
+        <p:nvPr/>
+      </p:nvGrpSpPr>
+      <p:grpSpPr>
+        <a:xfrm>
+          <a:off x="0" y="0"/>
+          <a:ext cx="0" cy="0"/>
+          <a:chOff x="0" y="0"/>
+          <a:chExt cx="0" cy="0"/>
+        </a:xfrm>
+      </p:grpSpPr>
+      <p:sp>
+        <p:nvSpPr>
+          <p:cNvPr id="317" name="Google Shape;317;p22"/>
+          <p:cNvSpPr txBox="1">
+            <a:spLocks noGrp="1"/>
+          </p:cNvSpPr>
+          <p:nvPr>
+            <p:ph type="ctrTitle"/>
+          </p:nvPr>
+        </p:nvSpPr>
+        <p:spPr>
+          <a:xfrm>
+            <a:off x="0" y="0"/>
+            <a:ext cx="7264500" cy="504000"/>
+          </a:xfrm>
+          <a:prstGeom prst="rect">
+            <a:avLst/>
+          </a:prstGeom>
+        </p:spPr>
+        <p:txBody>
+          <a:bodyPr spcFirstLastPara="1" wrap="square" lIns="91425" tIns="91425" rIns="91425" bIns="91425" anchor="t" anchorCtr="0">
+            <a:noAutofit/>
+          </a:bodyPr>
+          <a:lstStyle/>
+          <a:p>
+            <a:pPr marL="0" lvl="0" indent="0" algn="l" rtl="0">
+              <a:spcBef>
+                <a:spcPts val="0"/>
+              </a:spcBef>
+              <a:spcAft>
+                <a:spcPts val="0"/>
+              </a:spcAft>
+              <a:buNone/>
+            </a:pPr>
+            <a:r>
+              <a:rPr lang="nl-BE" dirty="0"/>
+              <a:t>PLC</a:t>
+            </a:r>
+            <a:endParaRPr dirty="0"/>
+          </a:p>
+        </p:txBody>
+      </p:sp>
+      <p:sp>
+        <p:nvSpPr>
+          <p:cNvPr id="318" name="Google Shape;318;p22"/>
+          <p:cNvSpPr txBox="1">
+            <a:spLocks noGrp="1"/>
+          </p:cNvSpPr>
+          <p:nvPr>
+            <p:ph type="subTitle" idx="1"/>
+          </p:nvPr>
+        </p:nvSpPr>
+        <p:spPr>
+          <a:xfrm>
+            <a:off x="856200" y="1115677"/>
+            <a:ext cx="7670400" cy="3416400"/>
+          </a:xfrm>
+          <a:prstGeom prst="rect">
+            <a:avLst/>
+          </a:prstGeom>
+        </p:spPr>
+        <p:txBody>
+          <a:bodyPr spcFirstLastPara="1" wrap="square" lIns="91425" tIns="91425" rIns="91425" bIns="91425" anchor="t" anchorCtr="0">
+            <a:noAutofit/>
+          </a:bodyPr>
+          <a:lstStyle/>
+          <a:p>
+            <a:pPr marL="158750" lvl="0" indent="0">
+              <a:spcAft>
+                <a:spcPts val="600"/>
+              </a:spcAft>
+              <a:buClr>
+                <a:srgbClr val="FFFFFF"/>
+              </a:buClr>
+              <a:buSzPts val="1100"/>
+              <a:buNone/>
+            </a:pPr>
+            <a:endParaRPr lang="en-US" sz="1600" dirty="0">
+              <a:solidFill>
+                <a:srgbClr val="FFFFFF"/>
+              </a:solidFill>
+              <a:latin typeface="Dosis ExtraLight"/>
+              <a:ea typeface="Dosis ExtraLight"/>
+              <a:cs typeface="Dosis ExtraLight"/>
+              <a:sym typeface="Dosis ExtraLight"/>
+            </a:endParaRPr>
+          </a:p>
+          <a:p>
+            <a:pPr lvl="0">
+              <a:spcAft>
+                <a:spcPts val="600"/>
+              </a:spcAft>
+              <a:buClr>
+                <a:srgbClr val="FFFFFF"/>
+              </a:buClr>
+              <a:buSzPts val="1100"/>
+              <a:buFont typeface="Dosis ExtraLight"/>
+              <a:buChar char="●"/>
+            </a:pPr>
+            <a:r>
+              <a:rPr lang="en-US" sz="1600" dirty="0">
+                <a:solidFill>
+                  <a:srgbClr val="FFFFFF"/>
+                </a:solidFill>
+                <a:latin typeface="Dosis ExtraLight"/>
+                <a:ea typeface="Dosis ExtraLight"/>
+                <a:cs typeface="Dosis ExtraLight"/>
+                <a:sym typeface="Dosis ExtraLight"/>
+              </a:rPr>
+              <a:t>IP 192.168.1.82 Set  </a:t>
+            </a:r>
+            <a:r>
+              <a:rPr lang="nl-BE" sz="1600" dirty="0">
+                <a:solidFill>
+                  <a:srgbClr val="FFFFFF"/>
+                </a:solidFill>
+                <a:latin typeface="Dosis ExtraLight"/>
+                <a:ea typeface="Dosis ExtraLight"/>
+                <a:cs typeface="Dosis ExtraLight"/>
+                <a:sym typeface="Wingdings" panose="05000000000000000000" pitchFamily="2" charset="2"/>
+              </a:rPr>
+              <a:t> </a:t>
+            </a:r>
+            <a:r>
+              <a:rPr lang="nl-BE" sz="1600" dirty="0" err="1">
+                <a:solidFill>
+                  <a:srgbClr val="FFFFFF"/>
+                </a:solidFill>
+                <a:latin typeface="Dosis ExtraLight"/>
+                <a:ea typeface="Dosis ExtraLight"/>
+                <a:cs typeface="Dosis ExtraLight"/>
+                <a:sym typeface="Wingdings" panose="05000000000000000000" pitchFamily="2" charset="2"/>
+              </a:rPr>
+              <a:t>Twincat</a:t>
+            </a:r>
+            <a:r>
+              <a:rPr lang="nl-BE" sz="1600" dirty="0">
+                <a:solidFill>
+                  <a:srgbClr val="FFFFFF"/>
+                </a:solidFill>
+                <a:latin typeface="Dosis ExtraLight"/>
+                <a:ea typeface="Dosis ExtraLight"/>
+                <a:cs typeface="Dosis ExtraLight"/>
+                <a:sym typeface="Wingdings" panose="05000000000000000000" pitchFamily="2" charset="2"/>
+              </a:rPr>
+              <a:t> Device manager</a:t>
+            </a:r>
+            <a:endParaRPr lang="en-US" sz="1600" dirty="0">
+              <a:solidFill>
+                <a:srgbClr val="FFFFFF"/>
+              </a:solidFill>
+              <a:latin typeface="Dosis ExtraLight"/>
+              <a:ea typeface="Dosis ExtraLight"/>
+              <a:cs typeface="Dosis ExtraLight"/>
+              <a:sym typeface="Dosis ExtraLight"/>
+            </a:endParaRPr>
+          </a:p>
+          <a:p>
+            <a:pPr lvl="0">
+              <a:spcAft>
+                <a:spcPts val="600"/>
+              </a:spcAft>
+              <a:buClr>
+                <a:srgbClr val="FFFFFF"/>
+              </a:buClr>
+              <a:buSzPts val="1100"/>
+              <a:buFont typeface="Dosis ExtraLight"/>
+              <a:buChar char="●"/>
+            </a:pPr>
+            <a:r>
+              <a:rPr lang="en-US" sz="1600" dirty="0">
+                <a:solidFill>
+                  <a:srgbClr val="FFFFFF"/>
+                </a:solidFill>
+                <a:latin typeface="Dosis ExtraLight"/>
+                <a:ea typeface="Dosis ExtraLight"/>
+                <a:cs typeface="Dosis ExtraLight"/>
+                <a:sym typeface="Dosis ExtraLight"/>
+              </a:rPr>
+              <a:t>Assembly/Wiring</a:t>
+            </a:r>
+          </a:p>
+          <a:p>
+            <a:pPr lvl="0">
+              <a:spcAft>
+                <a:spcPts val="600"/>
+              </a:spcAft>
+              <a:buClr>
+                <a:srgbClr val="FFFFFF"/>
+              </a:buClr>
+              <a:buSzPts val="1100"/>
+              <a:buFont typeface="Dosis ExtraLight"/>
+              <a:buChar char="●"/>
+            </a:pPr>
+            <a:endParaRPr lang="en-US" sz="1600" dirty="0">
+              <a:solidFill>
+                <a:srgbClr val="FFFFFF"/>
+              </a:solidFill>
+              <a:latin typeface="Dosis ExtraLight"/>
+              <a:ea typeface="Dosis ExtraLight"/>
+              <a:cs typeface="Dosis ExtraLight"/>
+              <a:sym typeface="Dosis ExtraLight"/>
+            </a:endParaRPr>
+          </a:p>
+          <a:p>
+            <a:pPr lvl="0">
+              <a:spcAft>
+                <a:spcPts val="600"/>
+              </a:spcAft>
+              <a:buClr>
+                <a:srgbClr val="FFFFFF"/>
+              </a:buClr>
+              <a:buSzPts val="1100"/>
+              <a:buFont typeface="Dosis ExtraLight"/>
+              <a:buChar char="●"/>
+            </a:pPr>
+            <a:endParaRPr lang="en-US" sz="1600" dirty="0">
+              <a:solidFill>
+                <a:srgbClr val="FFFFFF"/>
+              </a:solidFill>
+              <a:latin typeface="Dosis ExtraLight"/>
+              <a:ea typeface="Dosis ExtraLight"/>
+              <a:cs typeface="Dosis ExtraLight"/>
+              <a:sym typeface="Dosis ExtraLight"/>
+            </a:endParaRPr>
+          </a:p>
+        </p:txBody>
+      </p:sp>
+      <p:sp>
+        <p:nvSpPr>
+          <p:cNvPr id="6" name="Tekstvak 5">
+            <a:extLst>
+              <a:ext uri="{FF2B5EF4-FFF2-40B4-BE49-F238E27FC236}">
+                <a16:creationId xmlns:a16="http://schemas.microsoft.com/office/drawing/2014/main" id="{D73B2882-9E5A-4FAA-97C8-EE6F3E612679}"/>
+              </a:ext>
+            </a:extLst>
+          </p:cNvPr>
+          <p:cNvSpPr txBox="1"/>
+          <p:nvPr/>
+        </p:nvSpPr>
+        <p:spPr>
+          <a:xfrm>
+            <a:off x="5307496" y="4866501"/>
+            <a:ext cx="3836503" cy="276999"/>
+          </a:xfrm>
+          <a:prstGeom prst="rect">
+            <a:avLst/>
+          </a:prstGeom>
+          <a:noFill/>
+        </p:spPr>
+        <p:txBody>
+          <a:bodyPr wrap="square" rtlCol="0">
+            <a:spAutoFit/>
+          </a:bodyPr>
+          <a:lstStyle/>
+          <a:p>
+            <a:pPr algn="r"/>
+            <a:r>
+              <a:rPr lang="nl-BE" sz="1200" b="1" dirty="0">
+                <a:solidFill>
+                  <a:schemeClr val="bg1"/>
+                </a:solidFill>
+                <a:latin typeface="Dosis ExtraLight"/>
+                <a:sym typeface="Abel"/>
+              </a:rPr>
+              <a:t>,,,     -     ,,,     -     ,,,</a:t>
+            </a:r>
+            <a:endParaRPr lang="nl-BE" sz="1200" dirty="0">
+              <a:solidFill>
+                <a:schemeClr val="bg1"/>
+              </a:solidFill>
+              <a:latin typeface="Dosis ExtraLight"/>
+              <a:sym typeface="Abel"/>
+            </a:endParaRPr>
+          </a:p>
+        </p:txBody>
+      </p:sp>
+      <p:sp>
+        <p:nvSpPr>
+          <p:cNvPr id="8" name="Tekstvak 7">
+            <a:extLst>
+              <a:ext uri="{FF2B5EF4-FFF2-40B4-BE49-F238E27FC236}">
+                <a16:creationId xmlns:a16="http://schemas.microsoft.com/office/drawing/2014/main" id="{07FE98EE-60EE-4B0B-AFDB-515B4EB27F6C}"/>
+              </a:ext>
+            </a:extLst>
+          </p:cNvPr>
+          <p:cNvSpPr txBox="1"/>
+          <p:nvPr/>
+        </p:nvSpPr>
+        <p:spPr>
+          <a:xfrm>
+            <a:off x="0" y="4804946"/>
+            <a:ext cx="185531" cy="338554"/>
+          </a:xfrm>
+          <a:prstGeom prst="rect">
+            <a:avLst/>
+          </a:prstGeom>
+          <a:noFill/>
+        </p:spPr>
+        <p:txBody>
+          <a:bodyPr wrap="square" rtlCol="0">
+            <a:spAutoFit/>
+          </a:bodyPr>
+          <a:lstStyle/>
+          <a:p>
+            <a:r>
+              <a:rPr lang="nl-BE" sz="1600" dirty="0">
+                <a:solidFill>
+                  <a:srgbClr val="FFFFFF"/>
+                </a:solidFill>
+                <a:latin typeface="Dosis ExtraLight"/>
+                <a:sym typeface="Abel"/>
+              </a:rPr>
+              <a:t>3</a:t>
+            </a:r>
+          </a:p>
+        </p:txBody>
+      </p:sp>
+    </p:spTree>
+    <p:extLst>
+      <p:ext uri="{BB962C8B-B14F-4D97-AF65-F5344CB8AC3E}">
+        <p14:creationId xmlns:p14="http://schemas.microsoft.com/office/powerpoint/2010/main" val="671166366"/>
+      </p:ext>
+    </p:extLst>
+  </p:cSld>
+  <p:clrMapOvr>
+    <a:masterClrMapping/>
+  </p:clrMapOvr>
+</p:sld>
+</file>
+
+<file path=ppt/slides/slide5.xml><?xml version="1.0" encoding="utf-8"?>
 <p:sld xmlns:a="http://schemas.openxmlformats.org/drawingml/2006/main" xmlns:r="http://schemas.openxmlformats.org/officeDocument/2006/relationships" xmlns:p="http://schemas.openxmlformats.org/presentationml/2006/main">
   <p:cSld>
     <p:spTree>

--- a/Presentaties/3Wekelijkse PowerPoint/nieuweppt.pptx
+++ b/Presentaties/3Wekelijkse PowerPoint/nieuweppt.pptx
@@ -5,44 +5,45 @@
     <p:sldMasterId id="2147483666" r:id="rId1"/>
   </p:sldMasterIdLst>
   <p:notesMasterIdLst>
-    <p:notesMasterId r:id="rId7"/>
+    <p:notesMasterId r:id="rId8"/>
   </p:notesMasterIdLst>
   <p:sldIdLst>
     <p:sldId id="256" r:id="rId2"/>
     <p:sldId id="257" r:id="rId3"/>
     <p:sldId id="279" r:id="rId4"/>
     <p:sldId id="287" r:id="rId5"/>
-    <p:sldId id="286" r:id="rId6"/>
+    <p:sldId id="288" r:id="rId6"/>
+    <p:sldId id="286" r:id="rId7"/>
   </p:sldIdLst>
   <p:sldSz cx="9144000" cy="5143500" type="screen16x9"/>
   <p:notesSz cx="6858000" cy="9144000"/>
   <p:embeddedFontLst>
     <p:embeddedFont>
       <p:font typeface="Abel" panose="020B0604020202020204" charset="0"/>
-      <p:regular r:id="rId8"/>
+      <p:regular r:id="rId9"/>
     </p:embeddedFont>
     <p:embeddedFont>
       <p:font typeface="Dosis ExtraLight" panose="020B0604020202020204" charset="0"/>
-      <p:regular r:id="rId9"/>
-      <p:bold r:id="rId10"/>
+      <p:regular r:id="rId10"/>
+      <p:bold r:id="rId11"/>
     </p:embeddedFont>
     <p:embeddedFont>
       <p:font typeface="Fira Sans Condensed ExtraLight" panose="020B0604020202020204" charset="0"/>
-      <p:regular r:id="rId11"/>
-      <p:bold r:id="rId12"/>
-      <p:italic r:id="rId13"/>
-      <p:boldItalic r:id="rId14"/>
+      <p:regular r:id="rId12"/>
+      <p:bold r:id="rId13"/>
+      <p:italic r:id="rId14"/>
+      <p:boldItalic r:id="rId15"/>
     </p:embeddedFont>
     <p:embeddedFont>
       <p:font typeface="Josefin Sans" panose="020B0604020202020204" charset="0"/>
-      <p:regular r:id="rId15"/>
-      <p:bold r:id="rId16"/>
-      <p:italic r:id="rId17"/>
-      <p:boldItalic r:id="rId18"/>
+      <p:regular r:id="rId16"/>
+      <p:bold r:id="rId17"/>
+      <p:italic r:id="rId18"/>
+      <p:boldItalic r:id="rId19"/>
     </p:embeddedFont>
     <p:embeddedFont>
       <p:font typeface="Staatliches" panose="020B0604020202020204" charset="0"/>
-      <p:regular r:id="rId19"/>
+      <p:regular r:id="rId20"/>
     </p:embeddedFont>
   </p:embeddedFontLst>
   <p:defaultTextStyle>
@@ -1205,6 +1206,115 @@
 </p:notes>
 </file>
 
+<file path=ppt/notesSlides/notesSlide5.xml><?xml version="1.0" encoding="utf-8"?>
+<p:notes xmlns:a="http://schemas.openxmlformats.org/drawingml/2006/main" xmlns:r="http://schemas.openxmlformats.org/officeDocument/2006/relationships" xmlns:p="http://schemas.openxmlformats.org/presentationml/2006/main" showMasterSp="0" showMasterPhAnim="0">
+  <p:cSld>
+    <p:spTree>
+      <p:nvGrpSpPr>
+        <p:cNvPr id="1" name="Shape 313"/>
+        <p:cNvGrpSpPr/>
+        <p:nvPr/>
+      </p:nvGrpSpPr>
+      <p:grpSpPr>
+        <a:xfrm>
+          <a:off x="0" y="0"/>
+          <a:ext cx="0" cy="0"/>
+          <a:chOff x="0" y="0"/>
+          <a:chExt cx="0" cy="0"/>
+        </a:xfrm>
+      </p:grpSpPr>
+      <p:sp>
+        <p:nvSpPr>
+          <p:cNvPr id="314" name="Google Shape;314;g61854c95cc_0_218:notes"/>
+          <p:cNvSpPr>
+            <a:spLocks noGrp="1" noRot="1" noChangeAspect="1"/>
+          </p:cNvSpPr>
+          <p:nvPr>
+            <p:ph type="sldImg" idx="2"/>
+          </p:nvPr>
+        </p:nvSpPr>
+        <p:spPr>
+          <a:xfrm>
+            <a:off x="381000" y="685800"/>
+            <a:ext cx="6096000" cy="3429000"/>
+          </a:xfrm>
+          <a:custGeom>
+            <a:avLst/>
+            <a:gdLst/>
+            <a:ahLst/>
+            <a:cxnLst/>
+            <a:rect l="l" t="t" r="r" b="b"/>
+            <a:pathLst>
+              <a:path w="120000" h="120000" extrusionOk="0">
+                <a:moveTo>
+                  <a:pt x="0" y="0"/>
+                </a:moveTo>
+                <a:lnTo>
+                  <a:pt x="120000" y="0"/>
+                </a:lnTo>
+                <a:lnTo>
+                  <a:pt x="120000" y="120000"/>
+                </a:lnTo>
+                <a:lnTo>
+                  <a:pt x="0" y="120000"/>
+                </a:lnTo>
+                <a:close/>
+              </a:path>
+            </a:pathLst>
+          </a:custGeom>
+        </p:spPr>
+      </p:sp>
+      <p:sp>
+        <p:nvSpPr>
+          <p:cNvPr id="315" name="Google Shape;315;g61854c95cc_0_218:notes"/>
+          <p:cNvSpPr txBox="1">
+            <a:spLocks noGrp="1"/>
+          </p:cNvSpPr>
+          <p:nvPr>
+            <p:ph type="body" idx="1"/>
+          </p:nvPr>
+        </p:nvSpPr>
+        <p:spPr>
+          <a:xfrm>
+            <a:off x="685800" y="4343400"/>
+            <a:ext cx="5486400" cy="4114800"/>
+          </a:xfrm>
+          <a:prstGeom prst="rect">
+            <a:avLst/>
+          </a:prstGeom>
+        </p:spPr>
+        <p:txBody>
+          <a:bodyPr spcFirstLastPara="1" wrap="square" lIns="91425" tIns="91425" rIns="91425" bIns="91425" anchor="t" anchorCtr="0">
+            <a:noAutofit/>
+          </a:bodyPr>
+          <a:lstStyle/>
+          <a:p>
+            <a:pPr marL="0" lvl="0" indent="0" algn="l" rtl="0">
+              <a:spcBef>
+                <a:spcPts val="0"/>
+              </a:spcBef>
+              <a:spcAft>
+                <a:spcPts val="0"/>
+              </a:spcAft>
+              <a:buNone/>
+            </a:pPr>
+            <a:endParaRPr/>
+          </a:p>
+        </p:txBody>
+      </p:sp>
+    </p:spTree>
+    <p:extLst>
+      <p:ext uri="{BB962C8B-B14F-4D97-AF65-F5344CB8AC3E}">
+        <p14:creationId xmlns:p14="http://schemas.microsoft.com/office/powerpoint/2010/main" val="2636832321"/>
+      </p:ext>
+    </p:extLst>
+  </p:cSld>
+  <p:clrMapOvr>
+    <a:masterClrMapping/>
+  </p:clrMapOvr>
+</p:notes>
+</file>
+
 <file path=ppt/slideLayouts/slideLayout1.xml><?xml version="1.0" encoding="utf-8"?>
 <p:sldLayout xmlns:a="http://schemas.openxmlformats.org/drawingml/2006/main" xmlns:r="http://schemas.openxmlformats.org/officeDocument/2006/relationships" xmlns:p="http://schemas.openxmlformats.org/presentationml/2006/main" matchingName="Opening slide">
   <p:cSld name="CUSTOM_7">
@@ -4738,6 +4848,365 @@
 </file>
 
 <file path=ppt/slides/slide5.xml><?xml version="1.0" encoding="utf-8"?>
+<p:sld xmlns:a="http://schemas.openxmlformats.org/drawingml/2006/main" xmlns:r="http://schemas.openxmlformats.org/officeDocument/2006/relationships" xmlns:p="http://schemas.openxmlformats.org/presentationml/2006/main">
+  <p:cSld>
+    <p:bg>
+      <p:bgPr>
+        <a:solidFill>
+          <a:schemeClr val="lt2"/>
+        </a:solidFill>
+        <a:effectLst/>
+      </p:bgPr>
+    </p:bg>
+    <p:spTree>
+      <p:nvGrpSpPr>
+        <p:cNvPr id="1" name="Shape 316"/>
+        <p:cNvGrpSpPr/>
+        <p:nvPr/>
+      </p:nvGrpSpPr>
+      <p:grpSpPr>
+        <a:xfrm>
+          <a:off x="0" y="0"/>
+          <a:ext cx="0" cy="0"/>
+          <a:chOff x="0" y="0"/>
+          <a:chExt cx="0" cy="0"/>
+        </a:xfrm>
+      </p:grpSpPr>
+      <p:sp>
+        <p:nvSpPr>
+          <p:cNvPr id="317" name="Google Shape;317;p22"/>
+          <p:cNvSpPr txBox="1">
+            <a:spLocks noGrp="1"/>
+          </p:cNvSpPr>
+          <p:nvPr>
+            <p:ph type="ctrTitle"/>
+          </p:nvPr>
+        </p:nvSpPr>
+        <p:spPr>
+          <a:xfrm>
+            <a:off x="0" y="0"/>
+            <a:ext cx="7264500" cy="504000"/>
+          </a:xfrm>
+          <a:prstGeom prst="rect">
+            <a:avLst/>
+          </a:prstGeom>
+        </p:spPr>
+        <p:txBody>
+          <a:bodyPr spcFirstLastPara="1" wrap="square" lIns="91425" tIns="91425" rIns="91425" bIns="91425" anchor="t" anchorCtr="0">
+            <a:noAutofit/>
+          </a:bodyPr>
+          <a:lstStyle/>
+          <a:p>
+            <a:pPr marL="0" lvl="0" indent="0" algn="l" rtl="0">
+              <a:spcBef>
+                <a:spcPts val="0"/>
+              </a:spcBef>
+              <a:spcAft>
+                <a:spcPts val="0"/>
+              </a:spcAft>
+              <a:buNone/>
+            </a:pPr>
+            <a:r>
+              <a:rPr lang="nl-BE" dirty="0" err="1"/>
+              <a:t>Sigfox</a:t>
+            </a:r>
+            <a:endParaRPr dirty="0"/>
+          </a:p>
+        </p:txBody>
+      </p:sp>
+      <p:sp>
+        <p:nvSpPr>
+          <p:cNvPr id="318" name="Google Shape;318;p22"/>
+          <p:cNvSpPr txBox="1">
+            <a:spLocks noGrp="1"/>
+          </p:cNvSpPr>
+          <p:nvPr>
+            <p:ph type="subTitle" idx="1"/>
+          </p:nvPr>
+        </p:nvSpPr>
+        <p:spPr>
+          <a:xfrm>
+            <a:off x="856200" y="1115677"/>
+            <a:ext cx="7670400" cy="3416400"/>
+          </a:xfrm>
+          <a:prstGeom prst="rect">
+            <a:avLst/>
+          </a:prstGeom>
+        </p:spPr>
+        <p:txBody>
+          <a:bodyPr spcFirstLastPara="1" wrap="square" lIns="91425" tIns="91425" rIns="91425" bIns="91425" anchor="t" anchorCtr="0">
+            <a:noAutofit/>
+          </a:bodyPr>
+          <a:lstStyle/>
+          <a:p>
+            <a:pPr lvl="0">
+              <a:spcAft>
+                <a:spcPts val="600"/>
+              </a:spcAft>
+              <a:buClr>
+                <a:srgbClr val="FFFFFF"/>
+              </a:buClr>
+              <a:buSzPts val="1100"/>
+              <a:buFont typeface="Dosis ExtraLight"/>
+              <a:buChar char="●"/>
+            </a:pPr>
+            <a:r>
+              <a:rPr lang="en-US" sz="1600" dirty="0">
+                <a:solidFill>
+                  <a:srgbClr val="FFFFFF"/>
+                </a:solidFill>
+                <a:latin typeface="Dosis ExtraLight"/>
+                <a:ea typeface="Dosis ExtraLight"/>
+                <a:cs typeface="Dosis ExtraLight"/>
+                <a:sym typeface="Dosis ExtraLight"/>
+              </a:rPr>
+              <a:t>Backend Activation pending</a:t>
+            </a:r>
+          </a:p>
+          <a:p>
+            <a:pPr lvl="0">
+              <a:spcAft>
+                <a:spcPts val="600"/>
+              </a:spcAft>
+              <a:buClr>
+                <a:srgbClr val="FFFFFF"/>
+              </a:buClr>
+              <a:buSzPts val="1100"/>
+              <a:buFont typeface="Dosis ExtraLight"/>
+              <a:buChar char="●"/>
+            </a:pPr>
+            <a:r>
+              <a:rPr lang="en-US" sz="1600" dirty="0">
+                <a:solidFill>
+                  <a:srgbClr val="FFFFFF"/>
+                </a:solidFill>
+                <a:latin typeface="Dosis ExtraLight"/>
+                <a:ea typeface="Dosis ExtraLight"/>
+                <a:cs typeface="Dosis ExtraLight"/>
+                <a:sym typeface="Dosis ExtraLight"/>
+              </a:rPr>
+              <a:t>Sensor in </a:t>
+            </a:r>
+            <a:r>
+              <a:rPr lang="en-US" sz="1600" dirty="0" err="1">
+                <a:solidFill>
+                  <a:srgbClr val="FFFFFF"/>
+                </a:solidFill>
+                <a:latin typeface="Dosis ExtraLight"/>
+                <a:ea typeface="Dosis ExtraLight"/>
+                <a:cs typeface="Dosis ExtraLight"/>
+                <a:sym typeface="Dosis ExtraLight"/>
+              </a:rPr>
+              <a:t>Sigfox</a:t>
+            </a:r>
+            <a:r>
+              <a:rPr lang="en-US" sz="1600" dirty="0">
+                <a:solidFill>
+                  <a:srgbClr val="FFFFFF"/>
+                </a:solidFill>
+                <a:latin typeface="Dosis ExtraLight"/>
+                <a:ea typeface="Dosis ExtraLight"/>
+                <a:cs typeface="Dosis ExtraLight"/>
+                <a:sym typeface="Dosis ExtraLight"/>
+              </a:rPr>
+              <a:t> Mode </a:t>
+            </a:r>
+            <a:r>
+              <a:rPr lang="en-US" sz="1600" dirty="0" err="1">
+                <a:solidFill>
+                  <a:srgbClr val="FFFFFF"/>
+                </a:solidFill>
+                <a:latin typeface="Dosis ExtraLight"/>
+                <a:ea typeface="Dosis ExtraLight"/>
+                <a:cs typeface="Dosis ExtraLight"/>
+                <a:sym typeface="Dosis ExtraLight"/>
+              </a:rPr>
+              <a:t>geconfigureerd</a:t>
+            </a:r>
+            <a:endParaRPr lang="en-US" sz="1600" dirty="0">
+              <a:solidFill>
+                <a:srgbClr val="FFFFFF"/>
+              </a:solidFill>
+              <a:latin typeface="Dosis ExtraLight"/>
+              <a:ea typeface="Dosis ExtraLight"/>
+              <a:cs typeface="Dosis ExtraLight"/>
+              <a:sym typeface="Dosis ExtraLight"/>
+            </a:endParaRPr>
+          </a:p>
+          <a:p>
+            <a:pPr lvl="0">
+              <a:spcAft>
+                <a:spcPts val="600"/>
+              </a:spcAft>
+              <a:buClr>
+                <a:srgbClr val="FFFFFF"/>
+              </a:buClr>
+              <a:buSzPts val="1100"/>
+              <a:buFont typeface="Dosis ExtraLight"/>
+              <a:buChar char="●"/>
+            </a:pPr>
+            <a:r>
+              <a:rPr lang="en-US" sz="1600" dirty="0" err="1">
+                <a:solidFill>
+                  <a:srgbClr val="FFFFFF"/>
+                </a:solidFill>
+                <a:latin typeface="Dosis ExtraLight"/>
+                <a:ea typeface="Dosis ExtraLight"/>
+                <a:cs typeface="Dosis ExtraLight"/>
+                <a:sym typeface="Dosis ExtraLight"/>
+              </a:rPr>
+              <a:t>TwinCat</a:t>
+            </a:r>
+            <a:endParaRPr lang="en-US" sz="1600" dirty="0">
+              <a:solidFill>
+                <a:srgbClr val="FFFFFF"/>
+              </a:solidFill>
+              <a:latin typeface="Dosis ExtraLight"/>
+              <a:ea typeface="Dosis ExtraLight"/>
+              <a:cs typeface="Dosis ExtraLight"/>
+              <a:sym typeface="Dosis ExtraLight"/>
+            </a:endParaRPr>
+          </a:p>
+          <a:p>
+            <a:pPr lvl="0">
+              <a:spcAft>
+                <a:spcPts val="600"/>
+              </a:spcAft>
+              <a:buClr>
+                <a:srgbClr val="FFFFFF"/>
+              </a:buClr>
+              <a:buSzPts val="1100"/>
+              <a:buFont typeface="Dosis ExtraLight"/>
+              <a:buChar char="●"/>
+            </a:pPr>
+            <a:r>
+              <a:rPr lang="en-US" sz="1600">
+                <a:solidFill>
+                  <a:srgbClr val="FFFFFF"/>
+                </a:solidFill>
+                <a:latin typeface="Dosis ExtraLight"/>
+                <a:ea typeface="Dosis ExtraLight"/>
+                <a:cs typeface="Dosis ExtraLight"/>
+                <a:sym typeface="Dosis ExtraLight"/>
+              </a:rPr>
+              <a:t>Decrypting Payload in TC</a:t>
+            </a:r>
+            <a:endParaRPr lang="en-US" sz="1600" dirty="0">
+              <a:solidFill>
+                <a:srgbClr val="FFFFFF"/>
+              </a:solidFill>
+              <a:latin typeface="Dosis ExtraLight"/>
+              <a:ea typeface="Dosis ExtraLight"/>
+              <a:cs typeface="Dosis ExtraLight"/>
+              <a:sym typeface="Dosis ExtraLight"/>
+            </a:endParaRPr>
+          </a:p>
+        </p:txBody>
+      </p:sp>
+      <p:sp>
+        <p:nvSpPr>
+          <p:cNvPr id="6" name="Tekstvak 5">
+            <a:extLst>
+              <a:ext uri="{FF2B5EF4-FFF2-40B4-BE49-F238E27FC236}">
+                <a16:creationId xmlns:a16="http://schemas.microsoft.com/office/drawing/2014/main" id="{D73B2882-9E5A-4FAA-97C8-EE6F3E612679}"/>
+              </a:ext>
+            </a:extLst>
+          </p:cNvPr>
+          <p:cNvSpPr txBox="1"/>
+          <p:nvPr/>
+        </p:nvSpPr>
+        <p:spPr>
+          <a:xfrm>
+            <a:off x="5307496" y="4866501"/>
+            <a:ext cx="3836503" cy="276999"/>
+          </a:xfrm>
+          <a:prstGeom prst="rect">
+            <a:avLst/>
+          </a:prstGeom>
+          <a:noFill/>
+        </p:spPr>
+        <p:txBody>
+          <a:bodyPr wrap="square" rtlCol="0">
+            <a:spAutoFit/>
+          </a:bodyPr>
+          <a:lstStyle/>
+          <a:p>
+            <a:pPr algn="r"/>
+            <a:r>
+              <a:rPr lang="nl-BE" sz="1200" b="1" dirty="0">
+                <a:solidFill>
+                  <a:schemeClr val="bg1"/>
+                </a:solidFill>
+                <a:latin typeface="Dosis ExtraLight"/>
+                <a:sym typeface="Abel"/>
+              </a:rPr>
+              <a:t>,,,     -     ,,,     -     ,,,</a:t>
+            </a:r>
+            <a:endParaRPr lang="nl-BE" sz="1200" dirty="0">
+              <a:solidFill>
+                <a:schemeClr val="bg1"/>
+              </a:solidFill>
+              <a:latin typeface="Dosis ExtraLight"/>
+              <a:sym typeface="Abel"/>
+            </a:endParaRPr>
+          </a:p>
+        </p:txBody>
+      </p:sp>
+      <p:sp>
+        <p:nvSpPr>
+          <p:cNvPr id="8" name="Tekstvak 7">
+            <a:extLst>
+              <a:ext uri="{FF2B5EF4-FFF2-40B4-BE49-F238E27FC236}">
+                <a16:creationId xmlns:a16="http://schemas.microsoft.com/office/drawing/2014/main" id="{07FE98EE-60EE-4B0B-AFDB-515B4EB27F6C}"/>
+              </a:ext>
+            </a:extLst>
+          </p:cNvPr>
+          <p:cNvSpPr txBox="1"/>
+          <p:nvPr/>
+        </p:nvSpPr>
+        <p:spPr>
+          <a:xfrm>
+            <a:off x="0" y="4804946"/>
+            <a:ext cx="185531" cy="338554"/>
+          </a:xfrm>
+          <a:prstGeom prst="rect">
+            <a:avLst/>
+          </a:prstGeom>
+          <a:noFill/>
+        </p:spPr>
+        <p:txBody>
+          <a:bodyPr wrap="square" rtlCol="0">
+            <a:spAutoFit/>
+          </a:bodyPr>
+          <a:lstStyle/>
+          <a:p>
+            <a:r>
+              <a:rPr lang="nl-BE" sz="1600" dirty="0">
+                <a:solidFill>
+                  <a:srgbClr val="FFFFFF"/>
+                </a:solidFill>
+                <a:latin typeface="Dosis ExtraLight"/>
+                <a:sym typeface="Abel"/>
+              </a:rPr>
+              <a:t>3</a:t>
+            </a:r>
+          </a:p>
+        </p:txBody>
+      </p:sp>
+    </p:spTree>
+    <p:extLst>
+      <p:ext uri="{BB962C8B-B14F-4D97-AF65-F5344CB8AC3E}">
+        <p14:creationId xmlns:p14="http://schemas.microsoft.com/office/powerpoint/2010/main" val="458877802"/>
+      </p:ext>
+    </p:extLst>
+  </p:cSld>
+  <p:clrMapOvr>
+    <a:masterClrMapping/>
+  </p:clrMapOvr>
+</p:sld>
+</file>
+
+<file path=ppt/slides/slide6.xml><?xml version="1.0" encoding="utf-8"?>
 <p:sld xmlns:a="http://schemas.openxmlformats.org/drawingml/2006/main" xmlns:r="http://schemas.openxmlformats.org/officeDocument/2006/relationships" xmlns:p="http://schemas.openxmlformats.org/presentationml/2006/main">
   <p:cSld>
     <p:spTree>

--- a/Presentaties/3Wekelijkse PowerPoint/nieuweppt.pptx
+++ b/Presentaties/3Wekelijkse PowerPoint/nieuweppt.pptx
@@ -5,7 +5,7 @@
     <p:sldMasterId id="2147483666" r:id="rId1"/>
   </p:sldMasterIdLst>
   <p:notesMasterIdLst>
-    <p:notesMasterId r:id="rId8"/>
+    <p:notesMasterId r:id="rId9"/>
   </p:notesMasterIdLst>
   <p:sldIdLst>
     <p:sldId id="256" r:id="rId2"/>
@@ -13,37 +13,38 @@
     <p:sldId id="279" r:id="rId4"/>
     <p:sldId id="287" r:id="rId5"/>
     <p:sldId id="288" r:id="rId6"/>
-    <p:sldId id="286" r:id="rId7"/>
+    <p:sldId id="289" r:id="rId7"/>
+    <p:sldId id="286" r:id="rId8"/>
   </p:sldIdLst>
   <p:sldSz cx="9144000" cy="5143500" type="screen16x9"/>
   <p:notesSz cx="6858000" cy="9144000"/>
   <p:embeddedFontLst>
     <p:embeddedFont>
       <p:font typeface="Abel" panose="020B0604020202020204" charset="0"/>
-      <p:regular r:id="rId9"/>
+      <p:regular r:id="rId10"/>
     </p:embeddedFont>
     <p:embeddedFont>
       <p:font typeface="Dosis ExtraLight" panose="020B0604020202020204" charset="0"/>
-      <p:regular r:id="rId10"/>
-      <p:bold r:id="rId11"/>
+      <p:regular r:id="rId11"/>
+      <p:bold r:id="rId12"/>
     </p:embeddedFont>
     <p:embeddedFont>
       <p:font typeface="Fira Sans Condensed ExtraLight" panose="020B0604020202020204" charset="0"/>
-      <p:regular r:id="rId12"/>
-      <p:bold r:id="rId13"/>
-      <p:italic r:id="rId14"/>
-      <p:boldItalic r:id="rId15"/>
+      <p:regular r:id="rId13"/>
+      <p:bold r:id="rId14"/>
+      <p:italic r:id="rId15"/>
+      <p:boldItalic r:id="rId16"/>
     </p:embeddedFont>
     <p:embeddedFont>
       <p:font typeface="Josefin Sans" panose="020B0604020202020204" charset="0"/>
-      <p:regular r:id="rId16"/>
-      <p:bold r:id="rId17"/>
-      <p:italic r:id="rId18"/>
-      <p:boldItalic r:id="rId19"/>
+      <p:regular r:id="rId17"/>
+      <p:bold r:id="rId18"/>
+      <p:italic r:id="rId19"/>
+      <p:boldItalic r:id="rId20"/>
     </p:embeddedFont>
     <p:embeddedFont>
       <p:font typeface="Staatliches" panose="020B0604020202020204" charset="0"/>
-      <p:regular r:id="rId20"/>
+      <p:regular r:id="rId21"/>
     </p:embeddedFont>
   </p:embeddedFontLst>
   <p:defaultTextStyle>
@@ -1306,6 +1307,115 @@
     <p:extLst>
       <p:ext uri="{BB962C8B-B14F-4D97-AF65-F5344CB8AC3E}">
         <p14:creationId xmlns:p14="http://schemas.microsoft.com/office/powerpoint/2010/main" val="2636832321"/>
+      </p:ext>
+    </p:extLst>
+  </p:cSld>
+  <p:clrMapOvr>
+    <a:masterClrMapping/>
+  </p:clrMapOvr>
+</p:notes>
+</file>
+
+<file path=ppt/notesSlides/notesSlide6.xml><?xml version="1.0" encoding="utf-8"?>
+<p:notes xmlns:a="http://schemas.openxmlformats.org/drawingml/2006/main" xmlns:r="http://schemas.openxmlformats.org/officeDocument/2006/relationships" xmlns:p="http://schemas.openxmlformats.org/presentationml/2006/main" showMasterSp="0" showMasterPhAnim="0">
+  <p:cSld>
+    <p:spTree>
+      <p:nvGrpSpPr>
+        <p:cNvPr id="1" name="Shape 313"/>
+        <p:cNvGrpSpPr/>
+        <p:nvPr/>
+      </p:nvGrpSpPr>
+      <p:grpSpPr>
+        <a:xfrm>
+          <a:off x="0" y="0"/>
+          <a:ext cx="0" cy="0"/>
+          <a:chOff x="0" y="0"/>
+          <a:chExt cx="0" cy="0"/>
+        </a:xfrm>
+      </p:grpSpPr>
+      <p:sp>
+        <p:nvSpPr>
+          <p:cNvPr id="314" name="Google Shape;314;g61854c95cc_0_218:notes"/>
+          <p:cNvSpPr>
+            <a:spLocks noGrp="1" noRot="1" noChangeAspect="1"/>
+          </p:cNvSpPr>
+          <p:nvPr>
+            <p:ph type="sldImg" idx="2"/>
+          </p:nvPr>
+        </p:nvSpPr>
+        <p:spPr>
+          <a:xfrm>
+            <a:off x="381000" y="685800"/>
+            <a:ext cx="6096000" cy="3429000"/>
+          </a:xfrm>
+          <a:custGeom>
+            <a:avLst/>
+            <a:gdLst/>
+            <a:ahLst/>
+            <a:cxnLst/>
+            <a:rect l="l" t="t" r="r" b="b"/>
+            <a:pathLst>
+              <a:path w="120000" h="120000" extrusionOk="0">
+                <a:moveTo>
+                  <a:pt x="0" y="0"/>
+                </a:moveTo>
+                <a:lnTo>
+                  <a:pt x="120000" y="0"/>
+                </a:lnTo>
+                <a:lnTo>
+                  <a:pt x="120000" y="120000"/>
+                </a:lnTo>
+                <a:lnTo>
+                  <a:pt x="0" y="120000"/>
+                </a:lnTo>
+                <a:close/>
+              </a:path>
+            </a:pathLst>
+          </a:custGeom>
+        </p:spPr>
+      </p:sp>
+      <p:sp>
+        <p:nvSpPr>
+          <p:cNvPr id="315" name="Google Shape;315;g61854c95cc_0_218:notes"/>
+          <p:cNvSpPr txBox="1">
+            <a:spLocks noGrp="1"/>
+          </p:cNvSpPr>
+          <p:nvPr>
+            <p:ph type="body" idx="1"/>
+          </p:nvPr>
+        </p:nvSpPr>
+        <p:spPr>
+          <a:xfrm>
+            <a:off x="685800" y="4343400"/>
+            <a:ext cx="5486400" cy="4114800"/>
+          </a:xfrm>
+          <a:prstGeom prst="rect">
+            <a:avLst/>
+          </a:prstGeom>
+        </p:spPr>
+        <p:txBody>
+          <a:bodyPr spcFirstLastPara="1" wrap="square" lIns="91425" tIns="91425" rIns="91425" bIns="91425" anchor="t" anchorCtr="0">
+            <a:noAutofit/>
+          </a:bodyPr>
+          <a:lstStyle/>
+          <a:p>
+            <a:pPr marL="0" lvl="0" indent="0" algn="l" rtl="0">
+              <a:spcBef>
+                <a:spcPts val="0"/>
+              </a:spcBef>
+              <a:spcAft>
+                <a:spcPts val="0"/>
+              </a:spcAft>
+              <a:buNone/>
+            </a:pPr>
+            <a:endParaRPr/>
+          </a:p>
+        </p:txBody>
+      </p:sp>
+    </p:spTree>
+    <p:extLst>
+      <p:ext uri="{BB962C8B-B14F-4D97-AF65-F5344CB8AC3E}">
+        <p14:creationId xmlns:p14="http://schemas.microsoft.com/office/powerpoint/2010/main" val="50827398"/>
       </p:ext>
     </p:extLst>
   </p:cSld>
@@ -4114,8 +4224,45 @@
                 <a:cs typeface="Dosis ExtraLight"/>
                 <a:sym typeface="Dosis ExtraLight"/>
               </a:rPr>
-              <a:t>,,,,</a:t>
+              <a:t>PLC</a:t>
             </a:r>
+          </a:p>
+          <a:p>
+            <a:pPr marL="457200" lvl="0" indent="-298450" algn="l" rtl="0">
+              <a:spcBef>
+                <a:spcPts val="0"/>
+              </a:spcBef>
+              <a:spcAft>
+                <a:spcPts val="600"/>
+              </a:spcAft>
+              <a:buClr>
+                <a:srgbClr val="FFFFFF"/>
+              </a:buClr>
+              <a:buSzPts val="1100"/>
+              <a:buFont typeface="Dosis ExtraLight"/>
+              <a:buChar char="●"/>
+            </a:pPr>
+            <a:r>
+              <a:rPr lang="en-US" sz="1600" dirty="0" err="1">
+                <a:solidFill>
+                  <a:srgbClr val="FFFFFF"/>
+                </a:solidFill>
+                <a:latin typeface="Dosis ExtraLight"/>
+                <a:ea typeface="Dosis ExtraLight"/>
+                <a:cs typeface="Dosis ExtraLight"/>
+                <a:sym typeface="Dosis ExtraLight"/>
+              </a:rPr>
+              <a:t>Sigfox</a:t>
+            </a:r>
+            <a:endParaRPr lang="en-US" sz="1600" dirty="0">
+              <a:solidFill>
+                <a:srgbClr val="FFFFFF"/>
+              </a:solidFill>
+              <a:latin typeface="Dosis ExtraLight"/>
+              <a:ea typeface="Dosis ExtraLight"/>
+              <a:cs typeface="Dosis ExtraLight"/>
+              <a:sym typeface="Dosis ExtraLight"/>
+            </a:endParaRPr>
           </a:p>
           <a:p>
             <a:pPr marL="457200" lvl="0" indent="-298450" algn="l" rtl="0">
@@ -4142,7 +4289,7 @@
                 <a:cs typeface="Dosis ExtraLight"/>
                 <a:sym typeface="Dosis ExtraLight"/>
               </a:rPr>
-              <a:t>,,,,</a:t>
+              <a:t>Database</a:t>
             </a:r>
           </a:p>
         </p:txBody>
@@ -4960,7 +5107,7 @@
                 <a:cs typeface="Dosis ExtraLight"/>
                 <a:sym typeface="Dosis ExtraLight"/>
               </a:rPr>
-              <a:t>Backend Activation pending</a:t>
+              <a:t>Back-end activation pending</a:t>
             </a:r>
           </a:p>
           <a:p>
@@ -5009,7 +5156,7 @@
                 <a:cs typeface="Dosis ExtraLight"/>
                 <a:sym typeface="Dosis ExtraLight"/>
               </a:rPr>
-              <a:t> Mode </a:t>
+              <a:t> mode </a:t>
             </a:r>
             <a:r>
               <a:rPr lang="en-US" sz="1600" dirty="0" err="1">
@@ -5080,7 +5227,7 @@
               <a:buChar char="●"/>
             </a:pPr>
             <a:r>
-              <a:rPr lang="en-US" sz="1600">
+              <a:rPr lang="en-US" sz="1600" dirty="0">
                 <a:solidFill>
                   <a:srgbClr val="FFFFFF"/>
                 </a:solidFill>
@@ -5089,17 +5236,8 @@
                 <a:cs typeface="Dosis ExtraLight"/>
                 <a:sym typeface="Dosis ExtraLight"/>
               </a:rPr>
-              <a:t>Decrypting Payload in TC</a:t>
+              <a:t>Decrypting payload in TC</a:t>
             </a:r>
-            <a:endParaRPr lang="en-US" sz="1600" dirty="0">
-              <a:solidFill>
-                <a:srgbClr val="FFFFFF"/>
-              </a:solidFill>
-              <a:latin typeface="Dosis ExtraLight"/>
-              <a:ea typeface="Dosis ExtraLight"/>
-              <a:cs typeface="Dosis ExtraLight"/>
-              <a:sym typeface="Dosis ExtraLight"/>
-            </a:endParaRPr>
           </a:p>
         </p:txBody>
       </p:sp>
@@ -5207,6 +5345,322 @@
 </file>
 
 <file path=ppt/slides/slide6.xml><?xml version="1.0" encoding="utf-8"?>
+<p:sld xmlns:a="http://schemas.openxmlformats.org/drawingml/2006/main" xmlns:r="http://schemas.openxmlformats.org/officeDocument/2006/relationships" xmlns:p="http://schemas.openxmlformats.org/presentationml/2006/main">
+  <p:cSld>
+    <p:bg>
+      <p:bgPr>
+        <a:solidFill>
+          <a:schemeClr val="lt2"/>
+        </a:solidFill>
+        <a:effectLst/>
+      </p:bgPr>
+    </p:bg>
+    <p:spTree>
+      <p:nvGrpSpPr>
+        <p:cNvPr id="1" name="Shape 316"/>
+        <p:cNvGrpSpPr/>
+        <p:nvPr/>
+      </p:nvGrpSpPr>
+      <p:grpSpPr>
+        <a:xfrm>
+          <a:off x="0" y="0"/>
+          <a:ext cx="0" cy="0"/>
+          <a:chOff x="0" y="0"/>
+          <a:chExt cx="0" cy="0"/>
+        </a:xfrm>
+      </p:grpSpPr>
+      <p:sp>
+        <p:nvSpPr>
+          <p:cNvPr id="317" name="Google Shape;317;p22"/>
+          <p:cNvSpPr txBox="1">
+            <a:spLocks noGrp="1"/>
+          </p:cNvSpPr>
+          <p:nvPr>
+            <p:ph type="ctrTitle"/>
+          </p:nvPr>
+        </p:nvSpPr>
+        <p:spPr>
+          <a:xfrm>
+            <a:off x="0" y="0"/>
+            <a:ext cx="7264500" cy="504000"/>
+          </a:xfrm>
+          <a:prstGeom prst="rect">
+            <a:avLst/>
+          </a:prstGeom>
+        </p:spPr>
+        <p:txBody>
+          <a:bodyPr spcFirstLastPara="1" wrap="square" lIns="91425" tIns="91425" rIns="91425" bIns="91425" anchor="t" anchorCtr="0">
+            <a:noAutofit/>
+          </a:bodyPr>
+          <a:lstStyle/>
+          <a:p>
+            <a:pPr marL="0" lvl="0" indent="0" algn="l" rtl="0">
+              <a:spcBef>
+                <a:spcPts val="0"/>
+              </a:spcBef>
+              <a:spcAft>
+                <a:spcPts val="0"/>
+              </a:spcAft>
+              <a:buNone/>
+            </a:pPr>
+            <a:r>
+              <a:rPr lang="nl-BE" dirty="0"/>
+              <a:t>Database</a:t>
+            </a:r>
+            <a:endParaRPr dirty="0"/>
+          </a:p>
+        </p:txBody>
+      </p:sp>
+      <p:sp>
+        <p:nvSpPr>
+          <p:cNvPr id="318" name="Google Shape;318;p22"/>
+          <p:cNvSpPr txBox="1">
+            <a:spLocks noGrp="1"/>
+          </p:cNvSpPr>
+          <p:nvPr>
+            <p:ph type="subTitle" idx="1"/>
+          </p:nvPr>
+        </p:nvSpPr>
+        <p:spPr>
+          <a:xfrm>
+            <a:off x="856200" y="1115677"/>
+            <a:ext cx="7670400" cy="3416400"/>
+          </a:xfrm>
+          <a:prstGeom prst="rect">
+            <a:avLst/>
+          </a:prstGeom>
+        </p:spPr>
+        <p:txBody>
+          <a:bodyPr spcFirstLastPara="1" wrap="square" lIns="91425" tIns="91425" rIns="91425" bIns="91425" anchor="t" anchorCtr="0">
+            <a:noAutofit/>
+          </a:bodyPr>
+          <a:lstStyle/>
+          <a:p>
+            <a:pPr marL="158750" lvl="0" indent="0">
+              <a:spcAft>
+                <a:spcPts val="600"/>
+              </a:spcAft>
+              <a:buClr>
+                <a:srgbClr val="FFFFFF"/>
+              </a:buClr>
+              <a:buSzPts val="1100"/>
+              <a:buNone/>
+            </a:pPr>
+            <a:r>
+              <a:rPr lang="en-US" sz="1600" dirty="0">
+                <a:solidFill>
+                  <a:srgbClr val="FFFFFF"/>
+                </a:solidFill>
+                <a:latin typeface="Dosis ExtraLight"/>
+                <a:ea typeface="Dosis ExtraLight"/>
+                <a:cs typeface="Dosis ExtraLight"/>
+                <a:sym typeface="Dosis ExtraLight"/>
+              </a:rPr>
+              <a:t>Raspberry Pi</a:t>
+            </a:r>
+          </a:p>
+          <a:p>
+            <a:pPr lvl="0">
+              <a:spcAft>
+                <a:spcPts val="600"/>
+              </a:spcAft>
+              <a:buClr>
+                <a:srgbClr val="FFFFFF"/>
+              </a:buClr>
+              <a:buSzPts val="1100"/>
+              <a:buFont typeface="Dosis ExtraLight"/>
+              <a:buChar char="●"/>
+            </a:pPr>
+            <a:r>
+              <a:rPr lang="en-US" sz="1600" dirty="0">
+                <a:solidFill>
+                  <a:srgbClr val="FFFFFF"/>
+                </a:solidFill>
+                <a:latin typeface="Dosis ExtraLight"/>
+                <a:ea typeface="Dosis ExtraLight"/>
+                <a:cs typeface="Dosis ExtraLight"/>
+                <a:sym typeface="Dosis ExtraLight"/>
+              </a:rPr>
+              <a:t>MySQL</a:t>
+            </a:r>
+          </a:p>
+          <a:p>
+            <a:pPr lvl="0">
+              <a:spcAft>
+                <a:spcPts val="600"/>
+              </a:spcAft>
+              <a:buClr>
+                <a:srgbClr val="FFFFFF"/>
+              </a:buClr>
+              <a:buSzPts val="1100"/>
+              <a:buFont typeface="Dosis ExtraLight"/>
+              <a:buChar char="●"/>
+            </a:pPr>
+            <a:r>
+              <a:rPr lang="en-US" sz="1600" dirty="0" err="1">
+                <a:solidFill>
+                  <a:srgbClr val="FFFFFF"/>
+                </a:solidFill>
+                <a:latin typeface="Dosis ExtraLight"/>
+                <a:ea typeface="Dosis ExtraLight"/>
+                <a:cs typeface="Dosis ExtraLight"/>
+                <a:sym typeface="Dosis ExtraLight"/>
+              </a:rPr>
+              <a:t>Adminer</a:t>
+            </a:r>
+            <a:r>
+              <a:rPr lang="en-US" sz="1600" dirty="0">
+                <a:solidFill>
+                  <a:srgbClr val="FFFFFF"/>
+                </a:solidFill>
+                <a:latin typeface="Dosis ExtraLight"/>
+                <a:ea typeface="Dosis ExtraLight"/>
+                <a:cs typeface="Dosis ExtraLight"/>
+                <a:sym typeface="Dosis ExtraLight"/>
+              </a:rPr>
+              <a:t> 4.7.5 --&gt; Apache2</a:t>
+            </a:r>
+          </a:p>
+          <a:p>
+            <a:pPr lvl="0">
+              <a:spcAft>
+                <a:spcPts val="600"/>
+              </a:spcAft>
+              <a:buClr>
+                <a:srgbClr val="FFFFFF"/>
+              </a:buClr>
+              <a:buSzPts val="1100"/>
+              <a:buFont typeface="Dosis ExtraLight"/>
+              <a:buChar char="●"/>
+            </a:pPr>
+            <a:r>
+              <a:rPr lang="en-US" sz="1600">
+                <a:solidFill>
+                  <a:srgbClr val="FFFFFF"/>
+                </a:solidFill>
+                <a:latin typeface="Dosis ExtraLight"/>
+                <a:ea typeface="Dosis ExtraLight"/>
+                <a:cs typeface="Dosis ExtraLight"/>
+                <a:sym typeface="Dosis ExtraLight"/>
+              </a:rPr>
+              <a:t>TestDB</a:t>
+            </a:r>
+            <a:endParaRPr lang="en-US" sz="1600" dirty="0">
+              <a:solidFill>
+                <a:srgbClr val="FFFFFF"/>
+              </a:solidFill>
+              <a:latin typeface="Dosis ExtraLight"/>
+              <a:ea typeface="Dosis ExtraLight"/>
+              <a:cs typeface="Dosis ExtraLight"/>
+              <a:sym typeface="Dosis ExtraLight"/>
+            </a:endParaRPr>
+          </a:p>
+        </p:txBody>
+      </p:sp>
+      <p:sp>
+        <p:nvSpPr>
+          <p:cNvPr id="6" name="Tekstvak 5">
+            <a:extLst>
+              <a:ext uri="{FF2B5EF4-FFF2-40B4-BE49-F238E27FC236}">
+                <a16:creationId xmlns:a16="http://schemas.microsoft.com/office/drawing/2014/main" id="{D73B2882-9E5A-4FAA-97C8-EE6F3E612679}"/>
+              </a:ext>
+            </a:extLst>
+          </p:cNvPr>
+          <p:cNvSpPr txBox="1"/>
+          <p:nvPr/>
+        </p:nvSpPr>
+        <p:spPr>
+          <a:xfrm>
+            <a:off x="5307496" y="4866501"/>
+            <a:ext cx="3836503" cy="276999"/>
+          </a:xfrm>
+          <a:prstGeom prst="rect">
+            <a:avLst/>
+          </a:prstGeom>
+          <a:noFill/>
+        </p:spPr>
+        <p:txBody>
+          <a:bodyPr wrap="square" rtlCol="0">
+            <a:spAutoFit/>
+          </a:bodyPr>
+          <a:lstStyle/>
+          <a:p>
+            <a:pPr algn="r"/>
+            <a:r>
+              <a:rPr lang="nl-BE" sz="1200" b="1" dirty="0">
+                <a:solidFill>
+                  <a:schemeClr val="bg1"/>
+                </a:solidFill>
+                <a:latin typeface="Dosis ExtraLight"/>
+                <a:sym typeface="Abel"/>
+              </a:rPr>
+              <a:t>,,,     -     ,,,     -     ,,,</a:t>
+            </a:r>
+            <a:endParaRPr lang="nl-BE" sz="1200" dirty="0">
+              <a:solidFill>
+                <a:schemeClr val="bg1"/>
+              </a:solidFill>
+              <a:latin typeface="Dosis ExtraLight"/>
+              <a:sym typeface="Abel"/>
+            </a:endParaRPr>
+          </a:p>
+        </p:txBody>
+      </p:sp>
+      <p:sp>
+        <p:nvSpPr>
+          <p:cNvPr id="8" name="Tekstvak 7">
+            <a:extLst>
+              <a:ext uri="{FF2B5EF4-FFF2-40B4-BE49-F238E27FC236}">
+                <a16:creationId xmlns:a16="http://schemas.microsoft.com/office/drawing/2014/main" id="{07FE98EE-60EE-4B0B-AFDB-515B4EB27F6C}"/>
+              </a:ext>
+            </a:extLst>
+          </p:cNvPr>
+          <p:cNvSpPr txBox="1"/>
+          <p:nvPr/>
+        </p:nvSpPr>
+        <p:spPr>
+          <a:xfrm>
+            <a:off x="0" y="4804946"/>
+            <a:ext cx="185531" cy="338554"/>
+          </a:xfrm>
+          <a:prstGeom prst="rect">
+            <a:avLst/>
+          </a:prstGeom>
+          <a:noFill/>
+        </p:spPr>
+        <p:txBody>
+          <a:bodyPr wrap="square" rtlCol="0">
+            <a:spAutoFit/>
+          </a:bodyPr>
+          <a:lstStyle/>
+          <a:p>
+            <a:r>
+              <a:rPr lang="nl-BE" sz="1600" dirty="0">
+                <a:solidFill>
+                  <a:srgbClr val="FFFFFF"/>
+                </a:solidFill>
+                <a:latin typeface="Dosis ExtraLight"/>
+                <a:sym typeface="Abel"/>
+              </a:rPr>
+              <a:t>3</a:t>
+            </a:r>
+          </a:p>
+        </p:txBody>
+      </p:sp>
+    </p:spTree>
+    <p:extLst>
+      <p:ext uri="{BB962C8B-B14F-4D97-AF65-F5344CB8AC3E}">
+        <p14:creationId xmlns:p14="http://schemas.microsoft.com/office/powerpoint/2010/main" val="3606939682"/>
+      </p:ext>
+    </p:extLst>
+  </p:cSld>
+  <p:clrMapOvr>
+    <a:masterClrMapping/>
+  </p:clrMapOvr>
+</p:sld>
+</file>
+
+<file path=ppt/slides/slide7.xml><?xml version="1.0" encoding="utf-8"?>
 <p:sld xmlns:a="http://schemas.openxmlformats.org/drawingml/2006/main" xmlns:r="http://schemas.openxmlformats.org/officeDocument/2006/relationships" xmlns:p="http://schemas.openxmlformats.org/presentationml/2006/main">
   <p:cSld>
     <p:spTree>

--- a/Presentaties/3Wekelijkse PowerPoint/nieuweppt.pptx
+++ b/Presentaties/3Wekelijkse PowerPoint/nieuweppt.pptx
@@ -10,10 +10,10 @@
   <p:sldIdLst>
     <p:sldId id="256" r:id="rId2"/>
     <p:sldId id="257" r:id="rId3"/>
-    <p:sldId id="279" r:id="rId4"/>
-    <p:sldId id="287" r:id="rId5"/>
-    <p:sldId id="288" r:id="rId6"/>
-    <p:sldId id="289" r:id="rId7"/>
+    <p:sldId id="287" r:id="rId4"/>
+    <p:sldId id="288" r:id="rId5"/>
+    <p:sldId id="289" r:id="rId6"/>
+    <p:sldId id="279" r:id="rId7"/>
     <p:sldId id="286" r:id="rId8"/>
   </p:sldIdLst>
   <p:sldSz cx="9144000" cy="5143500" type="screen16x9"/>
@@ -1088,7 +1088,7 @@
     </p:spTree>
     <p:extLst>
       <p:ext uri="{BB962C8B-B14F-4D97-AF65-F5344CB8AC3E}">
-        <p14:creationId xmlns:p14="http://schemas.microsoft.com/office/powerpoint/2010/main" val="3925964218"/>
+        <p14:creationId xmlns:p14="http://schemas.microsoft.com/office/powerpoint/2010/main" val="4000913908"/>
       </p:ext>
     </p:extLst>
   </p:cSld>
@@ -1197,7 +1197,7 @@
     </p:spTree>
     <p:extLst>
       <p:ext uri="{BB962C8B-B14F-4D97-AF65-F5344CB8AC3E}">
-        <p14:creationId xmlns:p14="http://schemas.microsoft.com/office/powerpoint/2010/main" val="4000913908"/>
+        <p14:creationId xmlns:p14="http://schemas.microsoft.com/office/powerpoint/2010/main" val="2636832321"/>
       </p:ext>
     </p:extLst>
   </p:cSld>
@@ -1306,7 +1306,7 @@
     </p:spTree>
     <p:extLst>
       <p:ext uri="{BB962C8B-B14F-4D97-AF65-F5344CB8AC3E}">
-        <p14:creationId xmlns:p14="http://schemas.microsoft.com/office/powerpoint/2010/main" val="2636832321"/>
+        <p14:creationId xmlns:p14="http://schemas.microsoft.com/office/powerpoint/2010/main" val="50827398"/>
       </p:ext>
     </p:extLst>
   </p:cSld>
@@ -1415,7 +1415,7 @@
     </p:spTree>
     <p:extLst>
       <p:ext uri="{BB962C8B-B14F-4D97-AF65-F5344CB8AC3E}">
-        <p14:creationId xmlns:p14="http://schemas.microsoft.com/office/powerpoint/2010/main" val="50827398"/>
+        <p14:creationId xmlns:p14="http://schemas.microsoft.com/office/powerpoint/2010/main" val="3925964218"/>
       </p:ext>
     </p:extLst>
   </p:cSld>
@@ -4404,7 +4404,7 @@
             </a:pPr>
             <a:r>
               <a:rPr lang="nl-BE" dirty="0"/>
-              <a:t>,,,,</a:t>
+              <a:t>PLC</a:t>
             </a:r>
             <a:endParaRPr dirty="0"/>
           </a:p>
@@ -4445,18 +4445,15 @@
               <a:buSzPts val="1100"/>
               <a:buNone/>
             </a:pPr>
-            <a:r>
-              <a:rPr lang="en-US" sz="1600" dirty="0">
-                <a:solidFill>
-                  <a:srgbClr val="FFFFFF"/>
-                </a:solidFill>
-                <a:latin typeface="Dosis ExtraLight"/>
-                <a:ea typeface="Dosis ExtraLight"/>
-                <a:cs typeface="Dosis ExtraLight"/>
-                <a:sym typeface="Dosis ExtraLight"/>
-              </a:rPr>
-              <a:t>,,,</a:t>
-            </a:r>
+            <a:endParaRPr lang="en-US" sz="1600" dirty="0">
+              <a:solidFill>
+                <a:srgbClr val="FFFFFF"/>
+              </a:solidFill>
+              <a:latin typeface="Dosis ExtraLight"/>
+              <a:ea typeface="Dosis ExtraLight"/>
+              <a:cs typeface="Dosis ExtraLight"/>
+              <a:sym typeface="Dosis ExtraLight"/>
+            </a:endParaRPr>
           </a:p>
           <a:p>
             <a:pPr lvl="0">
@@ -4480,8 +4477,53 @@
                 <a:cs typeface="Dosis ExtraLight"/>
                 <a:sym typeface="Dosis ExtraLight"/>
               </a:rPr>
-              <a:t>,,,</a:t>
+              <a:t>IP 192.168.1.82 Set  </a:t>
             </a:r>
+            <a:r>
+              <a:rPr lang="nl-BE" sz="1600" dirty="0">
+                <a:solidFill>
+                  <a:srgbClr val="FFFFFF"/>
+                </a:solidFill>
+                <a:latin typeface="Dosis ExtraLight"/>
+                <a:ea typeface="Dosis ExtraLight"/>
+                <a:cs typeface="Dosis ExtraLight"/>
+                <a:sym typeface="Wingdings" panose="05000000000000000000" pitchFamily="2" charset="2"/>
+              </a:rPr>
+              <a:t> </a:t>
+            </a:r>
+            <a:r>
+              <a:rPr lang="nl-BE" sz="1600" dirty="0" err="1">
+                <a:solidFill>
+                  <a:srgbClr val="FFFFFF"/>
+                </a:solidFill>
+                <a:latin typeface="Dosis ExtraLight"/>
+                <a:ea typeface="Dosis ExtraLight"/>
+                <a:cs typeface="Dosis ExtraLight"/>
+                <a:sym typeface="Wingdings" panose="05000000000000000000" pitchFamily="2" charset="2"/>
+              </a:rPr>
+              <a:t>Twincat</a:t>
+            </a:r>
+            <a:r>
+              <a:rPr lang="nl-BE" sz="1600" dirty="0">
+                <a:solidFill>
+                  <a:srgbClr val="FFFFFF"/>
+                </a:solidFill>
+                <a:latin typeface="Dosis ExtraLight"/>
+                <a:ea typeface="Dosis ExtraLight"/>
+                <a:cs typeface="Dosis ExtraLight"/>
+                <a:sym typeface="Wingdings" panose="05000000000000000000" pitchFamily="2" charset="2"/>
+              </a:rPr>
+              <a:t> Device manager</a:t>
+            </a:r>
+            <a:endParaRPr lang="en-US" sz="1600" dirty="0">
+              <a:solidFill>
+                <a:srgbClr val="FFFFFF"/>
+              </a:solidFill>
+              <a:latin typeface="Dosis ExtraLight"/>
+              <a:ea typeface="Dosis ExtraLight"/>
+              <a:cs typeface="Dosis ExtraLight"/>
+              <a:sym typeface="Dosis ExtraLight"/>
+            </a:endParaRPr>
           </a:p>
           <a:p>
             <a:pPr lvl="0">
@@ -4505,7 +4547,7 @@
                 <a:cs typeface="Dosis ExtraLight"/>
                 <a:sym typeface="Dosis ExtraLight"/>
               </a:rPr>
-              <a:t>,,,</a:t>
+              <a:t>Assembly/Wiring</a:t>
             </a:r>
           </a:p>
           <a:p>
@@ -4521,7 +4563,7 @@
               <a:buChar char="●"/>
             </a:pPr>
             <a:r>
-              <a:rPr lang="en-US" sz="1600" dirty="0">
+              <a:rPr lang="en-US" sz="1600" dirty="0" err="1">
                 <a:solidFill>
                   <a:srgbClr val="FFFFFF"/>
                 </a:solidFill>
@@ -4530,8 +4572,83 @@
                 <a:cs typeface="Dosis ExtraLight"/>
                 <a:sym typeface="Dosis ExtraLight"/>
               </a:rPr>
-              <a:t>,,,</a:t>
+              <a:t>Testprogram</a:t>
             </a:r>
+            <a:endParaRPr lang="en-US" sz="1600" dirty="0">
+              <a:solidFill>
+                <a:srgbClr val="FFFFFF"/>
+              </a:solidFill>
+              <a:latin typeface="Dosis ExtraLight"/>
+              <a:ea typeface="Dosis ExtraLight"/>
+              <a:cs typeface="Dosis ExtraLight"/>
+              <a:sym typeface="Dosis ExtraLight"/>
+            </a:endParaRPr>
+          </a:p>
+          <a:p>
+            <a:pPr lvl="0">
+              <a:spcAft>
+                <a:spcPts val="600"/>
+              </a:spcAft>
+              <a:buClr>
+                <a:srgbClr val="FFFFFF"/>
+              </a:buClr>
+              <a:buSzPts val="1100"/>
+              <a:buFont typeface="Dosis ExtraLight"/>
+              <a:buChar char="●"/>
+            </a:pPr>
+            <a:endParaRPr lang="en-US" sz="1600" dirty="0">
+              <a:solidFill>
+                <a:srgbClr val="FFFFFF"/>
+              </a:solidFill>
+              <a:latin typeface="Dosis ExtraLight"/>
+              <a:ea typeface="Dosis ExtraLight"/>
+              <a:cs typeface="Dosis ExtraLight"/>
+              <a:sym typeface="Dosis ExtraLight"/>
+            </a:endParaRPr>
+          </a:p>
+          <a:p>
+            <a:pPr lvl="0">
+              <a:spcAft>
+                <a:spcPts val="600"/>
+              </a:spcAft>
+              <a:buClr>
+                <a:srgbClr val="FFFFFF"/>
+              </a:buClr>
+              <a:buSzPts val="1100"/>
+              <a:buFont typeface="Dosis ExtraLight"/>
+              <a:buChar char="●"/>
+            </a:pPr>
+            <a:endParaRPr lang="en-US" sz="1600" dirty="0">
+              <a:solidFill>
+                <a:srgbClr val="FFFFFF"/>
+              </a:solidFill>
+              <a:latin typeface="Dosis ExtraLight"/>
+              <a:ea typeface="Dosis ExtraLight"/>
+              <a:cs typeface="Dosis ExtraLight"/>
+              <a:sym typeface="Dosis ExtraLight"/>
+            </a:endParaRPr>
+          </a:p>
+          <a:p>
+            <a:pPr lvl="0">
+              <a:spcAft>
+                <a:spcPts val="600"/>
+              </a:spcAft>
+              <a:buClr>
+                <a:srgbClr val="FFFFFF"/>
+              </a:buClr>
+              <a:buSzPts val="1100"/>
+              <a:buFont typeface="Dosis ExtraLight"/>
+              <a:buChar char="●"/>
+            </a:pPr>
+            <a:endParaRPr lang="en-US" sz="1600" dirty="0">
+              <a:solidFill>
+                <a:srgbClr val="FFFFFF"/>
+              </a:solidFill>
+              <a:latin typeface="Dosis ExtraLight"/>
+              <a:ea typeface="Dosis ExtraLight"/>
+              <a:cs typeface="Dosis ExtraLight"/>
+              <a:sym typeface="Dosis ExtraLight"/>
+            </a:endParaRPr>
           </a:p>
         </p:txBody>
       </p:sp>
@@ -4628,7 +4745,7 @@
     </p:spTree>
     <p:extLst>
       <p:ext uri="{BB962C8B-B14F-4D97-AF65-F5344CB8AC3E}">
-        <p14:creationId xmlns:p14="http://schemas.microsoft.com/office/powerpoint/2010/main" val="2428923873"/>
+        <p14:creationId xmlns:p14="http://schemas.microsoft.com/office/powerpoint/2010/main" val="671166366"/>
       </p:ext>
     </p:extLst>
   </p:cSld>
@@ -4698,8 +4815,8 @@
               <a:buNone/>
             </a:pPr>
             <a:r>
-              <a:rPr lang="nl-BE" dirty="0"/>
-              <a:t>PLC</a:t>
+              <a:rPr lang="nl-BE" dirty="0" err="1"/>
+              <a:t>Sigfox</a:t>
             </a:r>
             <a:endParaRPr dirty="0"/>
           </a:p>
@@ -4730,27 +4847,6 @@
           </a:bodyPr>
           <a:lstStyle/>
           <a:p>
-            <a:pPr marL="158750" lvl="0" indent="0">
-              <a:spcAft>
-                <a:spcPts val="600"/>
-              </a:spcAft>
-              <a:buClr>
-                <a:srgbClr val="FFFFFF"/>
-              </a:buClr>
-              <a:buSzPts val="1100"/>
-              <a:buNone/>
-            </a:pPr>
-            <a:endParaRPr lang="en-US" sz="1600" dirty="0">
-              <a:solidFill>
-                <a:srgbClr val="FFFFFF"/>
-              </a:solidFill>
-              <a:latin typeface="Dosis ExtraLight"/>
-              <a:ea typeface="Dosis ExtraLight"/>
-              <a:cs typeface="Dosis ExtraLight"/>
-              <a:sym typeface="Dosis ExtraLight"/>
-            </a:endParaRPr>
-          </a:p>
-          <a:p>
             <a:pPr lvl="0">
               <a:spcAft>
                 <a:spcPts val="600"/>
@@ -4772,43 +4868,68 @@
                 <a:cs typeface="Dosis ExtraLight"/>
                 <a:sym typeface="Dosis ExtraLight"/>
               </a:rPr>
-              <a:t>IP 192.168.1.82 Set  </a:t>
+              <a:t>Back-end activation pending</a:t>
             </a:r>
+          </a:p>
+          <a:p>
+            <a:pPr lvl="0">
+              <a:spcAft>
+                <a:spcPts val="600"/>
+              </a:spcAft>
+              <a:buClr>
+                <a:srgbClr val="FFFFFF"/>
+              </a:buClr>
+              <a:buSzPts val="1100"/>
+              <a:buFont typeface="Dosis ExtraLight"/>
+              <a:buChar char="●"/>
+            </a:pPr>
             <a:r>
-              <a:rPr lang="nl-BE" sz="1600" dirty="0">
+              <a:rPr lang="en-US" sz="1600" dirty="0">
                 <a:solidFill>
                   <a:srgbClr val="FFFFFF"/>
                 </a:solidFill>
                 <a:latin typeface="Dosis ExtraLight"/>
                 <a:ea typeface="Dosis ExtraLight"/>
                 <a:cs typeface="Dosis ExtraLight"/>
-                <a:sym typeface="Wingdings" panose="05000000000000000000" pitchFamily="2" charset="2"/>
+                <a:sym typeface="Dosis ExtraLight"/>
               </a:rPr>
-              <a:t> </a:t>
+              <a:t>Sensor in </a:t>
             </a:r>
             <a:r>
-              <a:rPr lang="nl-BE" sz="1600" dirty="0" err="1">
+              <a:rPr lang="en-US" sz="1600" dirty="0" err="1">
                 <a:solidFill>
                   <a:srgbClr val="FFFFFF"/>
                 </a:solidFill>
                 <a:latin typeface="Dosis ExtraLight"/>
                 <a:ea typeface="Dosis ExtraLight"/>
                 <a:cs typeface="Dosis ExtraLight"/>
-                <a:sym typeface="Wingdings" panose="05000000000000000000" pitchFamily="2" charset="2"/>
+                <a:sym typeface="Dosis ExtraLight"/>
               </a:rPr>
-              <a:t>Twincat</a:t>
+              <a:t>Sigfox</a:t>
             </a:r>
             <a:r>
-              <a:rPr lang="nl-BE" sz="1600" dirty="0">
+              <a:rPr lang="en-US" sz="1600" dirty="0">
                 <a:solidFill>
                   <a:srgbClr val="FFFFFF"/>
                 </a:solidFill>
                 <a:latin typeface="Dosis ExtraLight"/>
                 <a:ea typeface="Dosis ExtraLight"/>
                 <a:cs typeface="Dosis ExtraLight"/>
-                <a:sym typeface="Wingdings" panose="05000000000000000000" pitchFamily="2" charset="2"/>
+                <a:sym typeface="Dosis ExtraLight"/>
               </a:rPr>
-              <a:t> Device manager</a:t>
+              <a:t> mode </a:t>
+            </a:r>
+            <a:r>
+              <a:rPr lang="en-US" sz="1600" dirty="0" err="1">
+                <a:solidFill>
+                  <a:srgbClr val="FFFFFF"/>
+                </a:solidFill>
+                <a:latin typeface="Dosis ExtraLight"/>
+                <a:ea typeface="Dosis ExtraLight"/>
+                <a:cs typeface="Dosis ExtraLight"/>
+                <a:sym typeface="Dosis ExtraLight"/>
+              </a:rPr>
+              <a:t>geconfigureerd</a:t>
             </a:r>
             <a:endParaRPr lang="en-US" sz="1600" dirty="0">
               <a:solidFill>
@@ -4833,7 +4954,7 @@
               <a:buChar char="●"/>
             </a:pPr>
             <a:r>
-              <a:rPr lang="en-US" sz="1600" dirty="0">
+              <a:rPr lang="en-US" sz="1600" dirty="0" err="1">
                 <a:solidFill>
                   <a:srgbClr val="FFFFFF"/>
                 </a:solidFill>
@@ -4842,21 +4963,8 @@
                 <a:cs typeface="Dosis ExtraLight"/>
                 <a:sym typeface="Dosis ExtraLight"/>
               </a:rPr>
-              <a:t>Assembly/Wiring</a:t>
+              <a:t>TwinCat</a:t>
             </a:r>
-          </a:p>
-          <a:p>
-            <a:pPr lvl="0">
-              <a:spcAft>
-                <a:spcPts val="600"/>
-              </a:spcAft>
-              <a:buClr>
-                <a:srgbClr val="FFFFFF"/>
-              </a:buClr>
-              <a:buSzPts val="1100"/>
-              <a:buFont typeface="Dosis ExtraLight"/>
-              <a:buChar char="●"/>
-            </a:pPr>
             <a:endParaRPr lang="en-US" sz="1600" dirty="0">
               <a:solidFill>
                 <a:srgbClr val="FFFFFF"/>
@@ -4879,15 +4987,18 @@
               <a:buFont typeface="Dosis ExtraLight"/>
               <a:buChar char="●"/>
             </a:pPr>
-            <a:endParaRPr lang="en-US" sz="1600" dirty="0">
-              <a:solidFill>
-                <a:srgbClr val="FFFFFF"/>
-              </a:solidFill>
-              <a:latin typeface="Dosis ExtraLight"/>
-              <a:ea typeface="Dosis ExtraLight"/>
-              <a:cs typeface="Dosis ExtraLight"/>
-              <a:sym typeface="Dosis ExtraLight"/>
-            </a:endParaRPr>
+            <a:r>
+              <a:rPr lang="en-US" sz="1600" dirty="0">
+                <a:solidFill>
+                  <a:srgbClr val="FFFFFF"/>
+                </a:solidFill>
+                <a:latin typeface="Dosis ExtraLight"/>
+                <a:ea typeface="Dosis ExtraLight"/>
+                <a:cs typeface="Dosis ExtraLight"/>
+                <a:sym typeface="Dosis ExtraLight"/>
+              </a:rPr>
+              <a:t>Decrypting payload in TC</a:t>
+            </a:r>
           </a:p>
         </p:txBody>
       </p:sp>
@@ -4976,7 +5087,7 @@
                 <a:latin typeface="Dosis ExtraLight"/>
                 <a:sym typeface="Abel"/>
               </a:rPr>
-              <a:t>3</a:t>
+              <a:t>4</a:t>
             </a:r>
           </a:p>
         </p:txBody>
@@ -4984,7 +5095,7 @@
     </p:spTree>
     <p:extLst>
       <p:ext uri="{BB962C8B-B14F-4D97-AF65-F5344CB8AC3E}">
-        <p14:creationId xmlns:p14="http://schemas.microsoft.com/office/powerpoint/2010/main" val="671166366"/>
+        <p14:creationId xmlns:p14="http://schemas.microsoft.com/office/powerpoint/2010/main" val="458877802"/>
       </p:ext>
     </p:extLst>
   </p:cSld>
@@ -5054,8 +5165,8 @@
               <a:buNone/>
             </a:pPr>
             <a:r>
-              <a:rPr lang="nl-BE" dirty="0" err="1"/>
-              <a:t>Sigfox</a:t>
+              <a:rPr lang="nl-BE" dirty="0"/>
+              <a:t>Database</a:t>
             </a:r>
             <a:endParaRPr dirty="0"/>
           </a:p>
@@ -5086,6 +5197,30 @@
           </a:bodyPr>
           <a:lstStyle/>
           <a:p>
+            <a:pPr marL="158750" lvl="0" indent="0">
+              <a:spcAft>
+                <a:spcPts val="600"/>
+              </a:spcAft>
+              <a:buClr>
+                <a:srgbClr val="FFFFFF"/>
+              </a:buClr>
+              <a:buSzPts val="1100"/>
+              <a:buNone/>
+            </a:pPr>
+            <a:r>
+              <a:rPr lang="en-US" sz="1600" dirty="0">
+                <a:solidFill>
+                  <a:srgbClr val="FFFFFF"/>
+                </a:solidFill>
+                <a:latin typeface="Dosis ExtraLight"/>
+                <a:ea typeface="Dosis ExtraLight"/>
+                <a:cs typeface="Dosis ExtraLight"/>
+                <a:sym typeface="Dosis ExtraLight"/>
+              </a:rPr>
+              <a:t>Raspberry Pi</a:t>
+            </a:r>
+          </a:p>
+          <a:p>
             <a:pPr lvl="0">
               <a:spcAft>
                 <a:spcPts val="600"/>
@@ -5107,7 +5242,7 @@
                 <a:cs typeface="Dosis ExtraLight"/>
                 <a:sym typeface="Dosis ExtraLight"/>
               </a:rPr>
-              <a:t>Back-end activation pending</a:t>
+              <a:t>MySQL</a:t>
             </a:r>
           </a:p>
           <a:p>
@@ -5123,7 +5258,7 @@
               <a:buChar char="●"/>
             </a:pPr>
             <a:r>
-              <a:rPr lang="en-US" sz="1600" dirty="0">
+              <a:rPr lang="en-US" sz="1600" dirty="0" err="1">
                 <a:solidFill>
                   <a:srgbClr val="FFFFFF"/>
                 </a:solidFill>
@@ -5132,10 +5267,10 @@
                 <a:cs typeface="Dosis ExtraLight"/>
                 <a:sym typeface="Dosis ExtraLight"/>
               </a:rPr>
-              <a:t>Sensor in </a:t>
+              <a:t>Adminer</a:t>
             </a:r>
             <a:r>
-              <a:rPr lang="en-US" sz="1600" dirty="0" err="1">
+              <a:rPr lang="en-US" sz="1600" dirty="0">
                 <a:solidFill>
                   <a:srgbClr val="FFFFFF"/>
                 </a:solidFill>
@@ -5144,10 +5279,23 @@
                 <a:cs typeface="Dosis ExtraLight"/>
                 <a:sym typeface="Dosis ExtraLight"/>
               </a:rPr>
-              <a:t>Sigfox</a:t>
+              <a:t> 4.7.5 --&gt; Apache2</a:t>
             </a:r>
+          </a:p>
+          <a:p>
+            <a:pPr lvl="0">
+              <a:spcAft>
+                <a:spcPts val="600"/>
+              </a:spcAft>
+              <a:buClr>
+                <a:srgbClr val="FFFFFF"/>
+              </a:buClr>
+              <a:buSzPts val="1100"/>
+              <a:buFont typeface="Dosis ExtraLight"/>
+              <a:buChar char="●"/>
+            </a:pPr>
             <a:r>
-              <a:rPr lang="en-US" sz="1600" dirty="0">
+              <a:rPr lang="en-US" sz="1600" dirty="0" err="1">
                 <a:solidFill>
                   <a:srgbClr val="FFFFFF"/>
                 </a:solidFill>
@@ -5156,10 +5304,10 @@
                 <a:cs typeface="Dosis ExtraLight"/>
                 <a:sym typeface="Dosis ExtraLight"/>
               </a:rPr>
-              <a:t> mode </a:t>
+              <a:t>TestDB</a:t>
             </a:r>
             <a:r>
-              <a:rPr lang="en-US" sz="1600" dirty="0" err="1">
+              <a:rPr lang="en-US" sz="1600" dirty="0">
                 <a:solidFill>
                   <a:srgbClr val="FFFFFF"/>
                 </a:solidFill>
@@ -5168,9 +5316,83 @@
                 <a:cs typeface="Dosis ExtraLight"/>
                 <a:sym typeface="Dosis ExtraLight"/>
               </a:rPr>
-              <a:t>geconfigureerd</a:t>
+              <a:t>:</a:t>
             </a:r>
-            <a:endParaRPr lang="en-US" sz="1600" dirty="0">
+          </a:p>
+          <a:p>
+            <a:pPr lvl="1">
+              <a:spcAft>
+                <a:spcPts val="600"/>
+              </a:spcAft>
+              <a:buClr>
+                <a:srgbClr val="FFFFFF"/>
+              </a:buClr>
+              <a:buSzPts val="1100"/>
+              <a:buFont typeface="Dosis ExtraLight"/>
+              <a:buChar char="●"/>
+            </a:pPr>
+            <a:r>
+              <a:rPr lang="en-US" sz="1400" dirty="0">
+                <a:solidFill>
+                  <a:srgbClr val="FFFFFF"/>
+                </a:solidFill>
+                <a:latin typeface="Dosis ExtraLight"/>
+                <a:ea typeface="Dosis ExtraLight"/>
+                <a:cs typeface="Dosis ExtraLight"/>
+                <a:sym typeface="Dosis ExtraLight"/>
+              </a:rPr>
+              <a:t>Error</a:t>
+            </a:r>
+          </a:p>
+          <a:p>
+            <a:pPr lvl="1">
+              <a:spcAft>
+                <a:spcPts val="600"/>
+              </a:spcAft>
+              <a:buClr>
+                <a:srgbClr val="FFFFFF"/>
+              </a:buClr>
+              <a:buSzPts val="1100"/>
+              <a:buFont typeface="Dosis ExtraLight"/>
+              <a:buChar char="●"/>
+            </a:pPr>
+            <a:r>
+              <a:rPr lang="en-US" sz="1400" dirty="0" err="1">
+                <a:solidFill>
+                  <a:srgbClr val="FFFFFF"/>
+                </a:solidFill>
+                <a:latin typeface="Dosis ExtraLight"/>
+                <a:ea typeface="Dosis ExtraLight"/>
+                <a:cs typeface="Dosis ExtraLight"/>
+                <a:sym typeface="Dosis ExtraLight"/>
+              </a:rPr>
+              <a:t>Geen</a:t>
+            </a:r>
+            <a:r>
+              <a:rPr lang="en-US" sz="1400" dirty="0">
+                <a:solidFill>
+                  <a:srgbClr val="FFFFFF"/>
+                </a:solidFill>
+                <a:latin typeface="Dosis ExtraLight"/>
+                <a:ea typeface="Dosis ExtraLight"/>
+                <a:cs typeface="Dosis ExtraLight"/>
+                <a:sym typeface="Dosis ExtraLight"/>
+              </a:rPr>
+              <a:t> </a:t>
+            </a:r>
+            <a:r>
+              <a:rPr lang="en-US" sz="1400" dirty="0" err="1">
+                <a:solidFill>
+                  <a:srgbClr val="FFFFFF"/>
+                </a:solidFill>
+                <a:latin typeface="Dosis ExtraLight"/>
+                <a:ea typeface="Dosis ExtraLight"/>
+                <a:cs typeface="Dosis ExtraLight"/>
+                <a:sym typeface="Dosis ExtraLight"/>
+              </a:rPr>
+              <a:t>rechten</a:t>
+            </a:r>
+            <a:endParaRPr lang="en-US" sz="1400" dirty="0">
               <a:solidFill>
                 <a:srgbClr val="FFFFFF"/>
               </a:solidFill>
@@ -5179,65 +5401,6 @@
               <a:cs typeface="Dosis ExtraLight"/>
               <a:sym typeface="Dosis ExtraLight"/>
             </a:endParaRPr>
-          </a:p>
-          <a:p>
-            <a:pPr lvl="0">
-              <a:spcAft>
-                <a:spcPts val="600"/>
-              </a:spcAft>
-              <a:buClr>
-                <a:srgbClr val="FFFFFF"/>
-              </a:buClr>
-              <a:buSzPts val="1100"/>
-              <a:buFont typeface="Dosis ExtraLight"/>
-              <a:buChar char="●"/>
-            </a:pPr>
-            <a:r>
-              <a:rPr lang="en-US" sz="1600" dirty="0" err="1">
-                <a:solidFill>
-                  <a:srgbClr val="FFFFFF"/>
-                </a:solidFill>
-                <a:latin typeface="Dosis ExtraLight"/>
-                <a:ea typeface="Dosis ExtraLight"/>
-                <a:cs typeface="Dosis ExtraLight"/>
-                <a:sym typeface="Dosis ExtraLight"/>
-              </a:rPr>
-              <a:t>TwinCat</a:t>
-            </a:r>
-            <a:endParaRPr lang="en-US" sz="1600" dirty="0">
-              <a:solidFill>
-                <a:srgbClr val="FFFFFF"/>
-              </a:solidFill>
-              <a:latin typeface="Dosis ExtraLight"/>
-              <a:ea typeface="Dosis ExtraLight"/>
-              <a:cs typeface="Dosis ExtraLight"/>
-              <a:sym typeface="Dosis ExtraLight"/>
-            </a:endParaRPr>
-          </a:p>
-          <a:p>
-            <a:pPr lvl="0">
-              <a:spcAft>
-                <a:spcPts val="600"/>
-              </a:spcAft>
-              <a:buClr>
-                <a:srgbClr val="FFFFFF"/>
-              </a:buClr>
-              <a:buSzPts val="1100"/>
-              <a:buFont typeface="Dosis ExtraLight"/>
-              <a:buChar char="●"/>
-            </a:pPr>
-            <a:r>
-              <a:rPr lang="en-US" sz="1600" dirty="0">
-                <a:solidFill>
-                  <a:srgbClr val="FFFFFF"/>
-                </a:solidFill>
-                <a:latin typeface="Dosis ExtraLight"/>
-                <a:ea typeface="Dosis ExtraLight"/>
-                <a:cs typeface="Dosis ExtraLight"/>
-                <a:sym typeface="Dosis ExtraLight"/>
-              </a:rPr>
-              <a:t>Decrypting payload in TC</a:t>
-            </a:r>
           </a:p>
         </p:txBody>
       </p:sp>
@@ -5326,7 +5489,7 @@
                 <a:latin typeface="Dosis ExtraLight"/>
                 <a:sym typeface="Abel"/>
               </a:rPr>
-              <a:t>3</a:t>
+              <a:t>5</a:t>
             </a:r>
           </a:p>
         </p:txBody>
@@ -5334,7 +5497,7 @@
     </p:spTree>
     <p:extLst>
       <p:ext uri="{BB962C8B-B14F-4D97-AF65-F5344CB8AC3E}">
-        <p14:creationId xmlns:p14="http://schemas.microsoft.com/office/powerpoint/2010/main" val="458877802"/>
+        <p14:creationId xmlns:p14="http://schemas.microsoft.com/office/powerpoint/2010/main" val="3606939682"/>
       </p:ext>
     </p:extLst>
   </p:cSld>
@@ -5404,8 +5567,12 @@
               <a:buNone/>
             </a:pPr>
             <a:r>
+              <a:rPr lang="nl-BE" dirty="0" err="1"/>
+              <a:t>Abad</a:t>
+            </a:r>
+            <a:r>
               <a:rPr lang="nl-BE" dirty="0"/>
-              <a:t>Database</a:t>
+              <a:t> deel</a:t>
             </a:r>
             <a:endParaRPr dirty="0"/>
           </a:p>
@@ -5456,7 +5623,7 @@
                 <a:cs typeface="Dosis ExtraLight"/>
                 <a:sym typeface="Dosis ExtraLight"/>
               </a:rPr>
-              <a:t>Raspberry Pi</a:t>
+              <a:t>,,,</a:t>
             </a:r>
           </a:p>
           <a:p>
@@ -5481,7 +5648,7 @@
                 <a:cs typeface="Dosis ExtraLight"/>
                 <a:sym typeface="Dosis ExtraLight"/>
               </a:rPr>
-              <a:t>MySQL</a:t>
+              <a:t>,,,</a:t>
             </a:r>
           </a:p>
           <a:p>
@@ -5497,7 +5664,7 @@
               <a:buChar char="●"/>
             </a:pPr>
             <a:r>
-              <a:rPr lang="en-US" sz="1600" dirty="0" err="1">
+              <a:rPr lang="en-US" sz="1600" dirty="0">
                 <a:solidFill>
                   <a:srgbClr val="FFFFFF"/>
                 </a:solidFill>
@@ -5506,8 +5673,21 @@
                 <a:cs typeface="Dosis ExtraLight"/>
                 <a:sym typeface="Dosis ExtraLight"/>
               </a:rPr>
-              <a:t>Adminer</a:t>
+              <a:t>,,,</a:t>
             </a:r>
+          </a:p>
+          <a:p>
+            <a:pPr lvl="0">
+              <a:spcAft>
+                <a:spcPts val="600"/>
+              </a:spcAft>
+              <a:buClr>
+                <a:srgbClr val="FFFFFF"/>
+              </a:buClr>
+              <a:buSzPts val="1100"/>
+              <a:buFont typeface="Dosis ExtraLight"/>
+              <a:buChar char="●"/>
+            </a:pPr>
             <a:r>
               <a:rPr lang="en-US" sz="1600" dirty="0">
                 <a:solidFill>
@@ -5518,42 +5698,8 @@
                 <a:cs typeface="Dosis ExtraLight"/>
                 <a:sym typeface="Dosis ExtraLight"/>
               </a:rPr>
-              <a:t> 4.7.5 --&gt; Apache2</a:t>
+              <a:t>,,,</a:t>
             </a:r>
-          </a:p>
-          <a:p>
-            <a:pPr lvl="0">
-              <a:spcAft>
-                <a:spcPts val="600"/>
-              </a:spcAft>
-              <a:buClr>
-                <a:srgbClr val="FFFFFF"/>
-              </a:buClr>
-              <a:buSzPts val="1100"/>
-              <a:buFont typeface="Dosis ExtraLight"/>
-              <a:buChar char="●"/>
-            </a:pPr>
-            <a:r>
-              <a:rPr lang="en-US" sz="1600">
-                <a:solidFill>
-                  <a:srgbClr val="FFFFFF"/>
-                </a:solidFill>
-                <a:latin typeface="Dosis ExtraLight"/>
-                <a:ea typeface="Dosis ExtraLight"/>
-                <a:cs typeface="Dosis ExtraLight"/>
-                <a:sym typeface="Dosis ExtraLight"/>
-              </a:rPr>
-              <a:t>TestDB</a:t>
-            </a:r>
-            <a:endParaRPr lang="en-US" sz="1600" dirty="0">
-              <a:solidFill>
-                <a:srgbClr val="FFFFFF"/>
-              </a:solidFill>
-              <a:latin typeface="Dosis ExtraLight"/>
-              <a:ea typeface="Dosis ExtraLight"/>
-              <a:cs typeface="Dosis ExtraLight"/>
-              <a:sym typeface="Dosis ExtraLight"/>
-            </a:endParaRPr>
           </a:p>
         </p:txBody>
       </p:sp>
@@ -5642,7 +5788,7 @@
                 <a:latin typeface="Dosis ExtraLight"/>
                 <a:sym typeface="Abel"/>
               </a:rPr>
-              <a:t>3</a:t>
+              <a:t>6</a:t>
             </a:r>
           </a:p>
         </p:txBody>
@@ -5650,7 +5796,7 @@
     </p:spTree>
     <p:extLst>
       <p:ext uri="{BB962C8B-B14F-4D97-AF65-F5344CB8AC3E}">
-        <p14:creationId xmlns:p14="http://schemas.microsoft.com/office/powerpoint/2010/main" val="3606939682"/>
+        <p14:creationId xmlns:p14="http://schemas.microsoft.com/office/powerpoint/2010/main" val="2428923873"/>
       </p:ext>
     </p:extLst>
   </p:cSld>

--- a/Presentaties/3Wekelijkse PowerPoint/nieuweppt.pptx
+++ b/Presentaties/3Wekelijkse PowerPoint/nieuweppt.pptx
@@ -1299,7 +1299,7 @@
               </a:spcAft>
               <a:buNone/>
             </a:pPr>
-            <a:endParaRPr/>
+            <a:endParaRPr dirty="0"/>
           </a:p>
         </p:txBody>
       </p:sp>
@@ -4292,6 +4292,34 @@
               <a:t>Database</a:t>
             </a:r>
           </a:p>
+          <a:p>
+            <a:pPr marL="457200" lvl="0" indent="-298450" algn="l" rtl="0">
+              <a:spcBef>
+                <a:spcPts val="0"/>
+              </a:spcBef>
+              <a:spcAft>
+                <a:spcPts val="600"/>
+              </a:spcAft>
+              <a:buClr>
+                <a:srgbClr val="FFFFFF"/>
+              </a:buClr>
+              <a:buSzPts val="1100"/>
+              <a:buFont typeface="Dosis ExtraLight"/>
+              <a:buChar char="●"/>
+            </a:pPr>
+            <a:r>
+              <a:rPr lang="en-US" sz="1600" dirty="0">
+                <a:solidFill>
+                  <a:srgbClr val="FFFFFF"/>
+                </a:solidFill>
+                <a:latin typeface="Dosis ExtraLight"/>
+                <a:ea typeface="Dosis ExtraLight"/>
+                <a:cs typeface="Dosis ExtraLight"/>
+                <a:sym typeface="Dosis ExtraLight"/>
+              </a:rPr>
+              <a:t>Abad </a:t>
+            </a:r>
+          </a:p>
         </p:txBody>
       </p:sp>
       <p:sp>
@@ -4689,7 +4717,57 @@
                 <a:latin typeface="Dosis ExtraLight"/>
                 <a:sym typeface="Abel"/>
               </a:rPr>
-              <a:t>,,,     -     ,,,     -     ,,,</a:t>
+              <a:t>PLC     -     </a:t>
+            </a:r>
+            <a:r>
+              <a:rPr lang="nl-BE" sz="1200" b="1" dirty="0" err="1">
+                <a:solidFill>
+                  <a:schemeClr val="bg1"/>
+                </a:solidFill>
+                <a:latin typeface="Dosis ExtraLight"/>
+                <a:sym typeface="Abel"/>
+              </a:rPr>
+              <a:t>SigFox</a:t>
+            </a:r>
+            <a:r>
+              <a:rPr lang="nl-BE" sz="1200" b="1" dirty="0">
+                <a:solidFill>
+                  <a:schemeClr val="bg1"/>
+                </a:solidFill>
+                <a:latin typeface="Dosis ExtraLight"/>
+                <a:sym typeface="Abel"/>
+              </a:rPr>
+              <a:t>     -     </a:t>
+            </a:r>
+            <a:r>
+              <a:rPr lang="nl-BE" sz="1200" b="1" dirty="0" err="1">
+                <a:solidFill>
+                  <a:schemeClr val="bg1"/>
+                </a:solidFill>
+                <a:latin typeface="Dosis ExtraLight"/>
+                <a:sym typeface="Abel"/>
+              </a:rPr>
+              <a:t>DataBase</a:t>
+            </a:r>
+            <a:r>
+              <a:rPr lang="nl-BE" sz="1200" b="1" dirty="0">
+                <a:solidFill>
+                  <a:schemeClr val="bg1"/>
+                </a:solidFill>
+                <a:latin typeface="Dosis ExtraLight"/>
+                <a:sym typeface="Abel"/>
+              </a:rPr>
+              <a:t>     -     </a:t>
+            </a:r>
+            <a:r>
+              <a:rPr lang="nl-BE" sz="1200" b="1" dirty="0" err="1">
+                <a:solidFill>
+                  <a:schemeClr val="bg1"/>
+                </a:solidFill>
+                <a:latin typeface="Dosis ExtraLight"/>
+                <a:sym typeface="Abel"/>
+              </a:rPr>
+              <a:t>Abad</a:t>
             </a:r>
             <a:endParaRPr lang="nl-BE" sz="1200" dirty="0">
               <a:solidFill>
@@ -5004,55 +5082,6 @@
       </p:sp>
       <p:sp>
         <p:nvSpPr>
-          <p:cNvPr id="6" name="Tekstvak 5">
-            <a:extLst>
-              <a:ext uri="{FF2B5EF4-FFF2-40B4-BE49-F238E27FC236}">
-                <a16:creationId xmlns:a16="http://schemas.microsoft.com/office/drawing/2014/main" id="{D73B2882-9E5A-4FAA-97C8-EE6F3E612679}"/>
-              </a:ext>
-            </a:extLst>
-          </p:cNvPr>
-          <p:cNvSpPr txBox="1"/>
-          <p:nvPr/>
-        </p:nvSpPr>
-        <p:spPr>
-          <a:xfrm>
-            <a:off x="5307496" y="4866501"/>
-            <a:ext cx="3836503" cy="276999"/>
-          </a:xfrm>
-          <a:prstGeom prst="rect">
-            <a:avLst/>
-          </a:prstGeom>
-          <a:noFill/>
-        </p:spPr>
-        <p:txBody>
-          <a:bodyPr wrap="square" rtlCol="0">
-            <a:spAutoFit/>
-          </a:bodyPr>
-          <a:lstStyle/>
-          <a:p>
-            <a:pPr algn="r"/>
-            <a:r>
-              <a:rPr lang="nl-BE" sz="1200" b="1" dirty="0">
-                <a:solidFill>
-                  <a:schemeClr val="bg1"/>
-                </a:solidFill>
-                <a:latin typeface="Dosis ExtraLight"/>
-                <a:sym typeface="Abel"/>
-              </a:rPr>
-              <a:t>,,,     -     ,,,     -     ,,,</a:t>
-            </a:r>
-            <a:endParaRPr lang="nl-BE" sz="1200" dirty="0">
-              <a:solidFill>
-                <a:schemeClr val="bg1"/>
-              </a:solidFill>
-              <a:latin typeface="Dosis ExtraLight"/>
-              <a:sym typeface="Abel"/>
-            </a:endParaRPr>
-          </a:p>
-        </p:txBody>
-      </p:sp>
-      <p:sp>
-        <p:nvSpPr>
           <p:cNvPr id="8" name="Tekstvak 7">
             <a:extLst>
               <a:ext uri="{FF2B5EF4-FFF2-40B4-BE49-F238E27FC236}">
@@ -5089,6 +5118,105 @@
               </a:rPr>
               <a:t>4</a:t>
             </a:r>
+          </a:p>
+        </p:txBody>
+      </p:sp>
+      <p:sp>
+        <p:nvSpPr>
+          <p:cNvPr id="9" name="Tekstvak 8">
+            <a:extLst>
+              <a:ext uri="{FF2B5EF4-FFF2-40B4-BE49-F238E27FC236}">
+                <a16:creationId xmlns:a16="http://schemas.microsoft.com/office/drawing/2014/main" id="{0C1C260E-37BE-43FC-9F45-07DC576BABE8}"/>
+              </a:ext>
+            </a:extLst>
+          </p:cNvPr>
+          <p:cNvSpPr txBox="1"/>
+          <p:nvPr/>
+        </p:nvSpPr>
+        <p:spPr>
+          <a:xfrm>
+            <a:off x="5307496" y="4866501"/>
+            <a:ext cx="3836503" cy="276999"/>
+          </a:xfrm>
+          <a:prstGeom prst="rect">
+            <a:avLst/>
+          </a:prstGeom>
+          <a:noFill/>
+        </p:spPr>
+        <p:txBody>
+          <a:bodyPr wrap="square" rtlCol="0">
+            <a:spAutoFit/>
+          </a:bodyPr>
+          <a:lstStyle/>
+          <a:p>
+            <a:pPr algn="r"/>
+            <a:r>
+              <a:rPr lang="nl-BE" sz="1200" b="1" dirty="0">
+                <a:solidFill>
+                  <a:schemeClr val="bg1"/>
+                </a:solidFill>
+                <a:latin typeface="Dosis ExtraLight"/>
+                <a:sym typeface="Abel"/>
+              </a:rPr>
+              <a:t>PLC     -     </a:t>
+            </a:r>
+            <a:r>
+              <a:rPr lang="nl-BE" sz="1200" b="1" dirty="0" err="1">
+                <a:solidFill>
+                  <a:schemeClr val="bg1"/>
+                </a:solidFill>
+                <a:latin typeface="Dosis ExtraLight"/>
+                <a:sym typeface="Abel"/>
+              </a:rPr>
+              <a:t>SigFox</a:t>
+            </a:r>
+            <a:r>
+              <a:rPr lang="nl-BE" sz="1200" b="1" dirty="0">
+                <a:solidFill>
+                  <a:schemeClr val="bg1"/>
+                </a:solidFill>
+                <a:latin typeface="Dosis ExtraLight"/>
+                <a:sym typeface="Abel"/>
+              </a:rPr>
+              <a:t>     -     </a:t>
+            </a:r>
+            <a:r>
+              <a:rPr lang="nl-BE" sz="1200" b="1" dirty="0" err="1">
+                <a:solidFill>
+                  <a:schemeClr val="bg1"/>
+                </a:solidFill>
+                <a:latin typeface="Dosis ExtraLight"/>
+                <a:sym typeface="Abel"/>
+              </a:rPr>
+              <a:t>DataBase</a:t>
+            </a:r>
+            <a:r>
+              <a:rPr lang="nl-BE" sz="1200" b="1" dirty="0">
+                <a:solidFill>
+                  <a:schemeClr val="bg1"/>
+                </a:solidFill>
+                <a:latin typeface="Dosis ExtraLight"/>
+                <a:sym typeface="Abel"/>
+              </a:rPr>
+              <a:t>     -     </a:t>
+            </a:r>
+            <a:r>
+              <a:rPr lang="nl-BE" sz="1200" b="1" dirty="0" err="1">
+                <a:solidFill>
+                  <a:schemeClr val="bg1"/>
+                </a:solidFill>
+                <a:latin typeface="Dosis ExtraLight"/>
+                <a:sym typeface="Abel"/>
+              </a:rPr>
+              <a:t>Abad</a:t>
+            </a:r>
+            <a:endParaRPr lang="nl-BE" sz="1200" dirty="0">
+              <a:solidFill>
+                <a:schemeClr val="bg1"/>
+              </a:solidFill>
+              <a:latin typeface="Dosis ExtraLight"/>
+              <a:sym typeface="Abel"/>
+            </a:endParaRPr>
           </a:p>
         </p:txBody>
       </p:sp>
@@ -5406,55 +5534,6 @@
       </p:sp>
       <p:sp>
         <p:nvSpPr>
-          <p:cNvPr id="6" name="Tekstvak 5">
-            <a:extLst>
-              <a:ext uri="{FF2B5EF4-FFF2-40B4-BE49-F238E27FC236}">
-                <a16:creationId xmlns:a16="http://schemas.microsoft.com/office/drawing/2014/main" id="{D73B2882-9E5A-4FAA-97C8-EE6F3E612679}"/>
-              </a:ext>
-            </a:extLst>
-          </p:cNvPr>
-          <p:cNvSpPr txBox="1"/>
-          <p:nvPr/>
-        </p:nvSpPr>
-        <p:spPr>
-          <a:xfrm>
-            <a:off x="5307496" y="4866501"/>
-            <a:ext cx="3836503" cy="276999"/>
-          </a:xfrm>
-          <a:prstGeom prst="rect">
-            <a:avLst/>
-          </a:prstGeom>
-          <a:noFill/>
-        </p:spPr>
-        <p:txBody>
-          <a:bodyPr wrap="square" rtlCol="0">
-            <a:spAutoFit/>
-          </a:bodyPr>
-          <a:lstStyle/>
-          <a:p>
-            <a:pPr algn="r"/>
-            <a:r>
-              <a:rPr lang="nl-BE" sz="1200" b="1" dirty="0">
-                <a:solidFill>
-                  <a:schemeClr val="bg1"/>
-                </a:solidFill>
-                <a:latin typeface="Dosis ExtraLight"/>
-                <a:sym typeface="Abel"/>
-              </a:rPr>
-              <a:t>,,,     -     ,,,     -     ,,,</a:t>
-            </a:r>
-            <a:endParaRPr lang="nl-BE" sz="1200" dirty="0">
-              <a:solidFill>
-                <a:schemeClr val="bg1"/>
-              </a:solidFill>
-              <a:latin typeface="Dosis ExtraLight"/>
-              <a:sym typeface="Abel"/>
-            </a:endParaRPr>
-          </a:p>
-        </p:txBody>
-      </p:sp>
-      <p:sp>
-        <p:nvSpPr>
           <p:cNvPr id="8" name="Tekstvak 7">
             <a:extLst>
               <a:ext uri="{FF2B5EF4-FFF2-40B4-BE49-F238E27FC236}">
@@ -5491,6 +5570,152 @@
               </a:rPr>
               <a:t>5</a:t>
             </a:r>
+          </a:p>
+        </p:txBody>
+      </p:sp>
+      <p:pic>
+        <p:nvPicPr>
+          <p:cNvPr id="1026" name="Picture 2">
+            <a:extLst>
+              <a:ext uri="{FF2B5EF4-FFF2-40B4-BE49-F238E27FC236}">
+                <a16:creationId xmlns:a16="http://schemas.microsoft.com/office/drawing/2014/main" id="{972F38D0-A713-4290-A14B-37E623945A18}"/>
+              </a:ext>
+            </a:extLst>
+          </p:cNvPr>
+          <p:cNvPicPr>
+            <a:picLocks noChangeAspect="1" noChangeArrowheads="1"/>
+          </p:cNvPicPr>
+          <p:nvPr/>
+        </p:nvPicPr>
+        <p:blipFill>
+          <a:blip r:embed="rId3">
+            <a:extLst>
+              <a:ext uri="{28A0092B-C50C-407E-A947-70E740481C1C}">
+                <a14:useLocalDpi xmlns:a14="http://schemas.microsoft.com/office/drawing/2010/main" val="0"/>
+              </a:ext>
+            </a:extLst>
+          </a:blip>
+          <a:srcRect/>
+          <a:stretch>
+            <a:fillRect/>
+          </a:stretch>
+        </p:blipFill>
+        <p:spPr bwMode="auto">
+          <a:xfrm>
+            <a:off x="4124246" y="595312"/>
+            <a:ext cx="5905500" cy="3952875"/>
+          </a:xfrm>
+          <a:prstGeom prst="rect">
+            <a:avLst/>
+          </a:prstGeom>
+          <a:noFill/>
+          <a:extLst>
+            <a:ext uri="{909E8E84-426E-40DD-AFC4-6F175D3DCCD1}">
+              <a14:hiddenFill xmlns:a14="http://schemas.microsoft.com/office/drawing/2010/main">
+                <a:solidFill>
+                  <a:srgbClr val="FFFFFF"/>
+                </a:solidFill>
+              </a14:hiddenFill>
+            </a:ext>
+          </a:extLst>
+        </p:spPr>
+      </p:pic>
+      <p:sp>
+        <p:nvSpPr>
+          <p:cNvPr id="9" name="Tekstvak 8">
+            <a:extLst>
+              <a:ext uri="{FF2B5EF4-FFF2-40B4-BE49-F238E27FC236}">
+                <a16:creationId xmlns:a16="http://schemas.microsoft.com/office/drawing/2014/main" id="{2B4EDD17-DCB4-4737-8805-25128F8E222B}"/>
+              </a:ext>
+            </a:extLst>
+          </p:cNvPr>
+          <p:cNvSpPr txBox="1"/>
+          <p:nvPr/>
+        </p:nvSpPr>
+        <p:spPr>
+          <a:xfrm>
+            <a:off x="5307496" y="4866501"/>
+            <a:ext cx="3836503" cy="276999"/>
+          </a:xfrm>
+          <a:prstGeom prst="rect">
+            <a:avLst/>
+          </a:prstGeom>
+          <a:noFill/>
+        </p:spPr>
+        <p:txBody>
+          <a:bodyPr wrap="square" rtlCol="0">
+            <a:spAutoFit/>
+          </a:bodyPr>
+          <a:lstStyle/>
+          <a:p>
+            <a:pPr algn="r"/>
+            <a:r>
+              <a:rPr lang="nl-BE" sz="1200" b="1" dirty="0">
+                <a:solidFill>
+                  <a:schemeClr val="bg1"/>
+                </a:solidFill>
+                <a:latin typeface="Dosis ExtraLight"/>
+                <a:sym typeface="Abel"/>
+              </a:rPr>
+              <a:t>PLC     -     </a:t>
+            </a:r>
+            <a:r>
+              <a:rPr lang="nl-BE" sz="1200" b="1" dirty="0" err="1">
+                <a:solidFill>
+                  <a:schemeClr val="bg1"/>
+                </a:solidFill>
+                <a:latin typeface="Dosis ExtraLight"/>
+                <a:sym typeface="Abel"/>
+              </a:rPr>
+              <a:t>SigFox</a:t>
+            </a:r>
+            <a:r>
+              <a:rPr lang="nl-BE" sz="1200" b="1" dirty="0">
+                <a:solidFill>
+                  <a:schemeClr val="bg1"/>
+                </a:solidFill>
+                <a:latin typeface="Dosis ExtraLight"/>
+                <a:sym typeface="Abel"/>
+              </a:rPr>
+              <a:t>     -     </a:t>
+            </a:r>
+            <a:r>
+              <a:rPr lang="nl-BE" sz="1200" b="1" dirty="0" err="1">
+                <a:solidFill>
+                  <a:schemeClr val="bg1"/>
+                </a:solidFill>
+                <a:latin typeface="Dosis ExtraLight"/>
+                <a:sym typeface="Abel"/>
+              </a:rPr>
+              <a:t>DataBase</a:t>
+            </a:r>
+            <a:r>
+              <a:rPr lang="nl-BE" sz="1200" b="1" dirty="0">
+                <a:solidFill>
+                  <a:schemeClr val="bg1"/>
+                </a:solidFill>
+                <a:latin typeface="Dosis ExtraLight"/>
+                <a:sym typeface="Abel"/>
+              </a:rPr>
+              <a:t>     -     </a:t>
+            </a:r>
+            <a:r>
+              <a:rPr lang="nl-BE" sz="1200" b="1" dirty="0" err="1">
+                <a:solidFill>
+                  <a:schemeClr val="bg1"/>
+                </a:solidFill>
+                <a:latin typeface="Dosis ExtraLight"/>
+                <a:sym typeface="Abel"/>
+              </a:rPr>
+              <a:t>Abad</a:t>
+            </a:r>
+            <a:endParaRPr lang="nl-BE" sz="1200" dirty="0">
+              <a:solidFill>
+                <a:schemeClr val="bg1"/>
+              </a:solidFill>
+              <a:latin typeface="Dosis ExtraLight"/>
+              <a:sym typeface="Abel"/>
+            </a:endParaRPr>
           </a:p>
         </p:txBody>
       </p:sp>
@@ -5705,55 +5930,6 @@
       </p:sp>
       <p:sp>
         <p:nvSpPr>
-          <p:cNvPr id="6" name="Tekstvak 5">
-            <a:extLst>
-              <a:ext uri="{FF2B5EF4-FFF2-40B4-BE49-F238E27FC236}">
-                <a16:creationId xmlns:a16="http://schemas.microsoft.com/office/drawing/2014/main" id="{D73B2882-9E5A-4FAA-97C8-EE6F3E612679}"/>
-              </a:ext>
-            </a:extLst>
-          </p:cNvPr>
-          <p:cNvSpPr txBox="1"/>
-          <p:nvPr/>
-        </p:nvSpPr>
-        <p:spPr>
-          <a:xfrm>
-            <a:off x="5307496" y="4866501"/>
-            <a:ext cx="3836503" cy="276999"/>
-          </a:xfrm>
-          <a:prstGeom prst="rect">
-            <a:avLst/>
-          </a:prstGeom>
-          <a:noFill/>
-        </p:spPr>
-        <p:txBody>
-          <a:bodyPr wrap="square" rtlCol="0">
-            <a:spAutoFit/>
-          </a:bodyPr>
-          <a:lstStyle/>
-          <a:p>
-            <a:pPr algn="r"/>
-            <a:r>
-              <a:rPr lang="nl-BE" sz="1200" b="1" dirty="0">
-                <a:solidFill>
-                  <a:schemeClr val="bg1"/>
-                </a:solidFill>
-                <a:latin typeface="Dosis ExtraLight"/>
-                <a:sym typeface="Abel"/>
-              </a:rPr>
-              <a:t>,,,     -     ,,,     -     ,,,</a:t>
-            </a:r>
-            <a:endParaRPr lang="nl-BE" sz="1200" dirty="0">
-              <a:solidFill>
-                <a:schemeClr val="bg1"/>
-              </a:solidFill>
-              <a:latin typeface="Dosis ExtraLight"/>
-              <a:sym typeface="Abel"/>
-            </a:endParaRPr>
-          </a:p>
-        </p:txBody>
-      </p:sp>
-      <p:sp>
-        <p:nvSpPr>
           <p:cNvPr id="8" name="Tekstvak 7">
             <a:extLst>
               <a:ext uri="{FF2B5EF4-FFF2-40B4-BE49-F238E27FC236}">
@@ -5790,6 +5966,105 @@
               </a:rPr>
               <a:t>6</a:t>
             </a:r>
+          </a:p>
+        </p:txBody>
+      </p:sp>
+      <p:sp>
+        <p:nvSpPr>
+          <p:cNvPr id="9" name="Tekstvak 8">
+            <a:extLst>
+              <a:ext uri="{FF2B5EF4-FFF2-40B4-BE49-F238E27FC236}">
+                <a16:creationId xmlns:a16="http://schemas.microsoft.com/office/drawing/2014/main" id="{98407CE6-0047-4051-96EE-77BC630ADDA9}"/>
+              </a:ext>
+            </a:extLst>
+          </p:cNvPr>
+          <p:cNvSpPr txBox="1"/>
+          <p:nvPr/>
+        </p:nvSpPr>
+        <p:spPr>
+          <a:xfrm>
+            <a:off x="5307496" y="4866501"/>
+            <a:ext cx="3836503" cy="276999"/>
+          </a:xfrm>
+          <a:prstGeom prst="rect">
+            <a:avLst/>
+          </a:prstGeom>
+          <a:noFill/>
+        </p:spPr>
+        <p:txBody>
+          <a:bodyPr wrap="square" rtlCol="0">
+            <a:spAutoFit/>
+          </a:bodyPr>
+          <a:lstStyle/>
+          <a:p>
+            <a:pPr algn="r"/>
+            <a:r>
+              <a:rPr lang="nl-BE" sz="1200" b="1" dirty="0">
+                <a:solidFill>
+                  <a:schemeClr val="bg1"/>
+                </a:solidFill>
+                <a:latin typeface="Dosis ExtraLight"/>
+                <a:sym typeface="Abel"/>
+              </a:rPr>
+              <a:t>PLC     -     </a:t>
+            </a:r>
+            <a:r>
+              <a:rPr lang="nl-BE" sz="1200" b="1" dirty="0" err="1">
+                <a:solidFill>
+                  <a:schemeClr val="bg1"/>
+                </a:solidFill>
+                <a:latin typeface="Dosis ExtraLight"/>
+                <a:sym typeface="Abel"/>
+              </a:rPr>
+              <a:t>SigFox</a:t>
+            </a:r>
+            <a:r>
+              <a:rPr lang="nl-BE" sz="1200" b="1" dirty="0">
+                <a:solidFill>
+                  <a:schemeClr val="bg1"/>
+                </a:solidFill>
+                <a:latin typeface="Dosis ExtraLight"/>
+                <a:sym typeface="Abel"/>
+              </a:rPr>
+              <a:t>     -     </a:t>
+            </a:r>
+            <a:r>
+              <a:rPr lang="nl-BE" sz="1200" b="1" dirty="0" err="1">
+                <a:solidFill>
+                  <a:schemeClr val="bg1"/>
+                </a:solidFill>
+                <a:latin typeface="Dosis ExtraLight"/>
+                <a:sym typeface="Abel"/>
+              </a:rPr>
+              <a:t>DataBase</a:t>
+            </a:r>
+            <a:r>
+              <a:rPr lang="nl-BE" sz="1200" b="1" dirty="0">
+                <a:solidFill>
+                  <a:schemeClr val="bg1"/>
+                </a:solidFill>
+                <a:latin typeface="Dosis ExtraLight"/>
+                <a:sym typeface="Abel"/>
+              </a:rPr>
+              <a:t>     -     </a:t>
+            </a:r>
+            <a:r>
+              <a:rPr lang="nl-BE" sz="1200" b="1" dirty="0" err="1">
+                <a:solidFill>
+                  <a:schemeClr val="bg1"/>
+                </a:solidFill>
+                <a:latin typeface="Dosis ExtraLight"/>
+                <a:sym typeface="Abel"/>
+              </a:rPr>
+              <a:t>Abad</a:t>
+            </a:r>
+            <a:endParaRPr lang="nl-BE" sz="1200" dirty="0">
+              <a:solidFill>
+                <a:schemeClr val="bg1"/>
+              </a:solidFill>
+              <a:latin typeface="Dosis ExtraLight"/>
+              <a:sym typeface="Abel"/>
+            </a:endParaRPr>
           </a:p>
         </p:txBody>
       </p:sp>

--- a/Presentaties/3Wekelijkse PowerPoint/nieuweppt.pptx
+++ b/Presentaties/3Wekelijkse PowerPoint/nieuweppt.pptx
@@ -4624,6 +4624,40 @@
               <a:buFont typeface="Dosis ExtraLight"/>
               <a:buChar char="●"/>
             </a:pPr>
+            <a:r>
+              <a:rPr lang="en-US" sz="1600">
+                <a:solidFill>
+                  <a:srgbClr val="FFFFFF"/>
+                </a:solidFill>
+                <a:latin typeface="Dosis ExtraLight"/>
+                <a:ea typeface="Dosis ExtraLight"/>
+                <a:cs typeface="Dosis ExtraLight"/>
+                <a:sym typeface="Dosis ExtraLight"/>
+              </a:rPr>
+              <a:t>JSON Encode</a:t>
+            </a:r>
+            <a:endParaRPr lang="en-US" sz="1600" dirty="0">
+              <a:solidFill>
+                <a:srgbClr val="FFFFFF"/>
+              </a:solidFill>
+              <a:latin typeface="Dosis ExtraLight"/>
+              <a:ea typeface="Dosis ExtraLight"/>
+              <a:cs typeface="Dosis ExtraLight"/>
+              <a:sym typeface="Dosis ExtraLight"/>
+            </a:endParaRPr>
+          </a:p>
+          <a:p>
+            <a:pPr lvl="0">
+              <a:spcAft>
+                <a:spcPts val="600"/>
+              </a:spcAft>
+              <a:buClr>
+                <a:srgbClr val="FFFFFF"/>
+              </a:buClr>
+              <a:buSzPts val="1100"/>
+              <a:buFont typeface="Dosis ExtraLight"/>
+              <a:buChar char="●"/>
+            </a:pPr>
             <a:endParaRPr lang="en-US" sz="1600" dirty="0">
               <a:solidFill>
                 <a:srgbClr val="FFFFFF"/>
